--- a/speed_dating.pptx
+++ b/speed_dating.pptx
@@ -207,7 +207,7 @@
           <a:p>
             <a:fld id="{6BE93D47-2100-4520-A674-42720C878824}" type="datetimeFigureOut">
               <a:rPr lang="fr-FR" smtClean="0"/>
-              <a:t>02/01/2026</a:t>
+              <a:t>04/01/2026</a:t>
             </a:fld>
             <a:endParaRPr lang="fr-FR"/>
           </a:p>
@@ -621,7 +621,7 @@
           <a:p>
             <a:fld id="{C990D2F3-07B2-4556-8EEA-239F868A8816}" type="datetime1">
               <a:rPr lang="fr-FR" smtClean="0"/>
-              <a:t>02/01/2026</a:t>
+              <a:t>04/01/2026</a:t>
             </a:fld>
             <a:endParaRPr lang="fr-FR"/>
           </a:p>
@@ -819,7 +819,7 @@
           <a:p>
             <a:fld id="{05420883-C1CF-45DB-8E21-27E9BFE30BA5}" type="datetime1">
               <a:rPr lang="fr-FR" smtClean="0"/>
-              <a:t>02/01/2026</a:t>
+              <a:t>04/01/2026</a:t>
             </a:fld>
             <a:endParaRPr lang="fr-FR"/>
           </a:p>
@@ -1027,7 +1027,7 @@
           <a:p>
             <a:fld id="{8BCD79BF-A261-454E-886D-ACA8EFF7026B}" type="datetime1">
               <a:rPr lang="fr-FR" smtClean="0"/>
-              <a:t>02/01/2026</a:t>
+              <a:t>04/01/2026</a:t>
             </a:fld>
             <a:endParaRPr lang="fr-FR"/>
           </a:p>
@@ -1225,7 +1225,7 @@
           <a:p>
             <a:fld id="{9B3ED75C-5995-486D-AEC2-3458EE0A8C85}" type="datetime1">
               <a:rPr lang="fr-FR" smtClean="0"/>
-              <a:t>02/01/2026</a:t>
+              <a:t>04/01/2026</a:t>
             </a:fld>
             <a:endParaRPr lang="fr-FR"/>
           </a:p>
@@ -1500,7 +1500,7 @@
           <a:p>
             <a:fld id="{25F812E0-011E-482D-9770-26F1A780EAD8}" type="datetime1">
               <a:rPr lang="fr-FR" smtClean="0"/>
-              <a:t>02/01/2026</a:t>
+              <a:t>04/01/2026</a:t>
             </a:fld>
             <a:endParaRPr lang="fr-FR"/>
           </a:p>
@@ -1765,7 +1765,7 @@
           <a:p>
             <a:fld id="{F303FC8A-FDB1-4451-9329-43DBB912A256}" type="datetime1">
               <a:rPr lang="fr-FR" smtClean="0"/>
-              <a:t>02/01/2026</a:t>
+              <a:t>04/01/2026</a:t>
             </a:fld>
             <a:endParaRPr lang="fr-FR"/>
           </a:p>
@@ -2177,7 +2177,7 @@
           <a:p>
             <a:fld id="{855938DB-53C5-499F-9E77-C4A6BFB6D7B0}" type="datetime1">
               <a:rPr lang="fr-FR" smtClean="0"/>
-              <a:t>02/01/2026</a:t>
+              <a:t>04/01/2026</a:t>
             </a:fld>
             <a:endParaRPr lang="fr-FR"/>
           </a:p>
@@ -2318,7 +2318,7 @@
           <a:p>
             <a:fld id="{5664754B-8D12-4F7B-B7B2-BE9501C2BF0C}" type="datetime1">
               <a:rPr lang="fr-FR" smtClean="0"/>
-              <a:t>02/01/2026</a:t>
+              <a:t>04/01/2026</a:t>
             </a:fld>
             <a:endParaRPr lang="fr-FR"/>
           </a:p>
@@ -2431,7 +2431,7 @@
           <a:p>
             <a:fld id="{A2D601FE-0B10-4357-8A94-ED43ECC61E73}" type="datetime1">
               <a:rPr lang="fr-FR" smtClean="0"/>
-              <a:t>02/01/2026</a:t>
+              <a:t>04/01/2026</a:t>
             </a:fld>
             <a:endParaRPr lang="fr-FR"/>
           </a:p>
@@ -2742,7 +2742,7 @@
           <a:p>
             <a:fld id="{4A15B53D-237A-4F39-87AD-DBFD4AA32F74}" type="datetime1">
               <a:rPr lang="fr-FR" smtClean="0"/>
-              <a:t>02/01/2026</a:t>
+              <a:t>04/01/2026</a:t>
             </a:fld>
             <a:endParaRPr lang="fr-FR"/>
           </a:p>
@@ -3030,7 +3030,7 @@
           <a:p>
             <a:fld id="{F16A35C9-E3D3-49A9-95FC-FD5ECA9EB791}" type="datetime1">
               <a:rPr lang="fr-FR" smtClean="0"/>
-              <a:t>02/01/2026</a:t>
+              <a:t>04/01/2026</a:t>
             </a:fld>
             <a:endParaRPr lang="fr-FR"/>
           </a:p>
@@ -3271,7 +3271,7 @@
           <a:p>
             <a:fld id="{96C75ECC-67CD-476B-B935-1BA4B425F864}" type="datetime1">
               <a:rPr lang="fr-FR" smtClean="0"/>
-              <a:t>02/01/2026</a:t>
+              <a:t>04/01/2026</a:t>
             </a:fld>
             <a:endParaRPr lang="fr-FR"/>
           </a:p>
@@ -4080,10 +4080,10 @@
       </p:grpSpPr>
       <p:pic>
         <p:nvPicPr>
-          <p:cNvPr id="7" name="Image 6" descr="Une image contenant texte, capture d’écran, diagramme, Police&#10;&#10;Le contenu généré par l’IA peut être incorrect.">
-            <a:extLst>
-              <a:ext uri="{FF2B5EF4-FFF2-40B4-BE49-F238E27FC236}">
-                <a16:creationId xmlns:a16="http://schemas.microsoft.com/office/drawing/2014/main" id="{3772AF3A-4DA3-E7A6-AE88-860F2C0900A3}"/>
+          <p:cNvPr id="10" name="Image 9" descr="Une image contenant texte, capture d’écran, diagramme, cercle&#10;&#10;Le contenu généré par l’IA peut être incorrect.">
+            <a:extLst>
+              <a:ext uri="{FF2B5EF4-FFF2-40B4-BE49-F238E27FC236}">
+                <a16:creationId xmlns:a16="http://schemas.microsoft.com/office/drawing/2014/main" id="{8D1705BF-A249-6B2A-92A3-3346B01A92E0}"/>
               </a:ext>
             </a:extLst>
           </p:cNvPr>
@@ -4100,8 +4100,38 @@
         </p:blipFill>
         <p:spPr>
           <a:xfrm>
-            <a:off x="6445231" y="304635"/>
-            <a:ext cx="5614092" cy="3399863"/>
+            <a:off x="7320455" y="3598132"/>
+            <a:ext cx="4072760" cy="3210800"/>
+          </a:xfrm>
+          <a:prstGeom prst="rect">
+            <a:avLst/>
+          </a:prstGeom>
+        </p:spPr>
+      </p:pic>
+      <p:pic>
+        <p:nvPicPr>
+          <p:cNvPr id="6" name="Image 5" descr="Une image contenant texte, capture d’écran, diagramme, Police&#10;&#10;Le contenu généré par l’IA peut être incorrect.">
+            <a:extLst>
+              <a:ext uri="{FF2B5EF4-FFF2-40B4-BE49-F238E27FC236}">
+                <a16:creationId xmlns:a16="http://schemas.microsoft.com/office/drawing/2014/main" id="{B12E0153-BFCE-8561-DC8A-4BD560C16A55}"/>
+              </a:ext>
+            </a:extLst>
+          </p:cNvPr>
+          <p:cNvPicPr>
+            <a:picLocks noChangeAspect="1"/>
+          </p:cNvPicPr>
+          <p:nvPr/>
+        </p:nvPicPr>
+        <p:blipFill>
+          <a:blip r:embed="rId3"/>
+          <a:stretch>
+            <a:fillRect/>
+          </a:stretch>
+        </p:blipFill>
+        <p:spPr>
+          <a:xfrm>
+            <a:off x="6760033" y="361106"/>
+            <a:ext cx="5163743" cy="3127134"/>
           </a:xfrm>
           <a:prstGeom prst="rect">
             <a:avLst/>
@@ -4225,36 +4255,6 @@
           </a:p>
         </p:txBody>
       </p:sp>
-      <p:pic>
-        <p:nvPicPr>
-          <p:cNvPr id="8" name="Image 7" descr="Une image contenant texte, capture d’écran, diagramme, cercle&#10;&#10;Le contenu généré par l’IA peut être incorrect.">
-            <a:extLst>
-              <a:ext uri="{FF2B5EF4-FFF2-40B4-BE49-F238E27FC236}">
-                <a16:creationId xmlns:a16="http://schemas.microsoft.com/office/drawing/2014/main" id="{D44D1E98-E545-E482-0C7E-7A65C896699C}"/>
-              </a:ext>
-            </a:extLst>
-          </p:cNvPr>
-          <p:cNvPicPr>
-            <a:picLocks noChangeAspect="1"/>
-          </p:cNvPicPr>
-          <p:nvPr/>
-        </p:nvPicPr>
-        <p:blipFill>
-          <a:blip r:embed="rId3"/>
-          <a:stretch>
-            <a:fillRect/>
-          </a:stretch>
-        </p:blipFill>
-        <p:spPr>
-          <a:xfrm>
-            <a:off x="7496650" y="3779665"/>
-            <a:ext cx="4033933" cy="3127134"/>
-          </a:xfrm>
-          <a:prstGeom prst="rect">
-            <a:avLst/>
-          </a:prstGeom>
-        </p:spPr>
-      </p:pic>
       <p:sp>
         <p:nvSpPr>
           <p:cNvPr id="11" name="ZoneTexte 10">
@@ -4371,10 +4371,10 @@
       </p:sp>
       <p:pic>
         <p:nvPicPr>
-          <p:cNvPr id="14" name="Image 13" descr="Une image contenant texte, capture d’écran, diagramme, cercle&#10;&#10;Le contenu généré par l’IA peut être incorrect.">
-            <a:extLst>
-              <a:ext uri="{FF2B5EF4-FFF2-40B4-BE49-F238E27FC236}">
-                <a16:creationId xmlns:a16="http://schemas.microsoft.com/office/drawing/2014/main" id="{F90084D6-5F86-CCC5-406E-393E779DB406}"/>
+          <p:cNvPr id="13" name="Image 12" descr="Une image contenant texte, capture d’écran, diagramme, cercle&#10;&#10;Le contenu généré par l’IA peut être incorrect.">
+            <a:extLst>
+              <a:ext uri="{FF2B5EF4-FFF2-40B4-BE49-F238E27FC236}">
+                <a16:creationId xmlns:a16="http://schemas.microsoft.com/office/drawing/2014/main" id="{6CA9983F-BD7B-F473-F3B9-3AB21AD4C75C}"/>
               </a:ext>
             </a:extLst>
           </p:cNvPr>
@@ -4391,8 +4391,8 @@
         </p:blipFill>
         <p:spPr>
           <a:xfrm>
-            <a:off x="1940169" y="3535523"/>
-            <a:ext cx="4853285" cy="3281745"/>
+            <a:off x="1889608" y="3603448"/>
+            <a:ext cx="4502538" cy="3044573"/>
           </a:xfrm>
           <a:prstGeom prst="rect">
             <a:avLst/>
@@ -4527,7 +4527,7 @@
         </p:nvSpPr>
         <p:spPr>
           <a:xfrm>
-            <a:off x="592836" y="165834"/>
+            <a:off x="661153" y="165834"/>
             <a:ext cx="11006328" cy="6555641"/>
           </a:xfrm>
           <a:prstGeom prst="rect">
@@ -4585,7 +4585,7 @@
           <a:p>
             <a:r>
               <a:rPr lang="fr-FR" sz="1400" b="1" dirty="0"/>
-              <a:t>Objectif initial</a:t>
+              <a:t>Objectif initial:</a:t>
             </a:r>
             <a:r>
               <a:rPr lang="fr-FR" sz="1400" dirty="0"/>
@@ -4621,6 +4621,10 @@
             <a:endParaRPr lang="fr-FR" sz="1400" dirty="0"/>
           </a:p>
           <a:p>
+            <a:pPr marL="285750" indent="-285750">
+              <a:buFont typeface="Arial" panose="020B0604020202020204" pitchFamily="34" charset="0"/>
+              <a:buChar char="•"/>
+            </a:pPr>
             <a:r>
               <a:rPr lang="fr-FR" sz="1400" b="1" dirty="0"/>
               <a:t>Données insuffisantes</a:t>
@@ -4656,6 +4660,10 @@
             <a:endParaRPr lang="fr-FR" sz="1400" b="1" dirty="0"/>
           </a:p>
           <a:p>
+            <a:pPr marL="285750" indent="-285750">
+              <a:buFont typeface="Arial" panose="020B0604020202020204" pitchFamily="34" charset="0"/>
+              <a:buChar char="•"/>
+            </a:pPr>
             <a:r>
               <a:rPr lang="fr-FR" sz="1400" b="1" dirty="0"/>
               <a:t>Contexte inadapté</a:t>
@@ -4692,6 +4700,10 @@
             <a:endParaRPr lang="fr-FR" sz="1400" b="1" dirty="0"/>
           </a:p>
           <a:p>
+            <a:pPr marL="285750" indent="-285750">
+              <a:buFont typeface="Arial" panose="020B0604020202020204" pitchFamily="34" charset="0"/>
+              <a:buChar char="•"/>
+            </a:pPr>
             <a:r>
               <a:rPr lang="fr-FR" sz="1400" b="1" dirty="0"/>
               <a:t>Incohérences dans les données</a:t>
@@ -4940,8 +4952,8 @@
         </p:nvSpPr>
         <p:spPr>
           <a:xfrm>
-            <a:off x="2862072" y="1655064"/>
-            <a:ext cx="7719780" cy="3699090"/>
+            <a:off x="2427890" y="1655064"/>
+            <a:ext cx="8153962" cy="3699090"/>
           </a:xfrm>
           <a:prstGeom prst="rect">
             <a:avLst/>
@@ -5053,7 +5065,7 @@
               <a:rPr lang="fr-FR" b="0" dirty="0">
                 <a:effectLst/>
               </a:rPr>
-              <a:t> : 21 vagues aboutissant à 8378 rencontres  </a:t>
+              <a:t> : 21 vagues de rencontres aboutissant à 8378 rencontres  </a:t>
             </a:r>
           </a:p>
           <a:p>
@@ -5340,12 +5352,86 @@
           </a:prstGeom>
         </p:spPr>
       </p:pic>
+      <p:sp>
+        <p:nvSpPr>
+          <p:cNvPr id="16" name="ZoneTexte 15">
+            <a:extLst>
+              <a:ext uri="{FF2B5EF4-FFF2-40B4-BE49-F238E27FC236}">
+                <a16:creationId xmlns:a16="http://schemas.microsoft.com/office/drawing/2014/main" id="{3253C3D4-AC96-1139-5A15-C6A90402858E}"/>
+              </a:ext>
+            </a:extLst>
+          </p:cNvPr>
+          <p:cNvSpPr txBox="1"/>
+          <p:nvPr/>
+        </p:nvSpPr>
+        <p:spPr>
+          <a:xfrm>
+            <a:off x="854727" y="5026883"/>
+            <a:ext cx="7202895" cy="1754326"/>
+          </a:xfrm>
+          <a:prstGeom prst="rect">
+            <a:avLst/>
+          </a:prstGeom>
+          <a:noFill/>
+        </p:spPr>
+        <p:txBody>
+          <a:bodyPr wrap="square" rtlCol="0">
+            <a:spAutoFit/>
+          </a:bodyPr>
+          <a:lstStyle/>
+          <a:p>
+            <a:pPr marL="171450" indent="-171450">
+              <a:buFont typeface="Arial" panose="020B0604020202020204" pitchFamily="34" charset="0"/>
+              <a:buChar char="•"/>
+            </a:pPr>
+            <a:r>
+              <a:rPr lang="fr-FR" dirty="0"/>
+              <a:t>551 participants.</a:t>
+            </a:r>
+          </a:p>
+          <a:p>
+            <a:pPr marL="171450" indent="-171450">
+              <a:buFont typeface="Arial" panose="020B0604020202020204" pitchFamily="34" charset="0"/>
+              <a:buChar char="•"/>
+            </a:pPr>
+            <a:r>
+              <a:rPr lang="fr-FR" dirty="0"/>
+              <a:t>parité Hommes / Femmes respectée.</a:t>
+            </a:r>
+          </a:p>
+          <a:p>
+            <a:pPr marL="171450" indent="-171450">
+              <a:buFont typeface="Arial" panose="020B0604020202020204" pitchFamily="34" charset="0"/>
+              <a:buChar char="•"/>
+            </a:pPr>
+            <a:r>
+              <a:rPr lang="fr-FR" dirty="0"/>
+              <a:t>âges des participants dans la même tranche (moins de 30 ans) mis à part 3 exceptions chez les hommes et 3 chez les femmes (non significatifs)</a:t>
+            </a:r>
+          </a:p>
+          <a:p>
+            <a:pPr marL="171450" indent="-171450">
+              <a:buFont typeface="Arial" panose="020B0604020202020204" pitchFamily="34" charset="0"/>
+              <a:buChar char="•"/>
+            </a:pPr>
+            <a:r>
+              <a:rPr lang="fr-FR" dirty="0"/>
+              <a:t>métiers principalement dans le domaine tertiaire ce qui est probablement lié à la localisation des speed </a:t>
+            </a:r>
+            <a:r>
+              <a:rPr lang="fr-FR" dirty="0" err="1"/>
+              <a:t>datings</a:t>
+            </a:r>
+            <a:endParaRPr lang="fr-FR" dirty="0"/>
+          </a:p>
+        </p:txBody>
+      </p:sp>
       <p:pic>
         <p:nvPicPr>
-          <p:cNvPr id="15" name="Image 14" descr="Une image contenant texte, capture d’écran, logiciel, nombre&#10;&#10;Le contenu généré par l’IA peut être incorrect.">
-            <a:extLst>
-              <a:ext uri="{FF2B5EF4-FFF2-40B4-BE49-F238E27FC236}">
-                <a16:creationId xmlns:a16="http://schemas.microsoft.com/office/drawing/2014/main" id="{D8C04F29-22E8-DEBC-D79D-00A4C0845CDC}"/>
+          <p:cNvPr id="4" name="Image 3" descr="Une image contenant texte, capture d’écran, cercle, diagramme&#10;&#10;Le contenu généré par l’IA peut être incorrect.">
+            <a:extLst>
+              <a:ext uri="{FF2B5EF4-FFF2-40B4-BE49-F238E27FC236}">
+                <a16:creationId xmlns:a16="http://schemas.microsoft.com/office/drawing/2014/main" id="{2A259F2F-5409-B187-8307-9C6F35AF707F}"/>
               </a:ext>
             </a:extLst>
           </p:cNvPr>
@@ -5362,94 +5448,20 @@
         </p:blipFill>
         <p:spPr>
           <a:xfrm>
-            <a:off x="41435" y="373634"/>
-            <a:ext cx="7647275" cy="4590510"/>
+            <a:off x="8566916" y="0"/>
+            <a:ext cx="3036506" cy="3035555"/>
           </a:xfrm>
           <a:prstGeom prst="rect">
             <a:avLst/>
           </a:prstGeom>
         </p:spPr>
       </p:pic>
-      <p:sp>
-        <p:nvSpPr>
-          <p:cNvPr id="16" name="ZoneTexte 15">
-            <a:extLst>
-              <a:ext uri="{FF2B5EF4-FFF2-40B4-BE49-F238E27FC236}">
-                <a16:creationId xmlns:a16="http://schemas.microsoft.com/office/drawing/2014/main" id="{3253C3D4-AC96-1139-5A15-C6A90402858E}"/>
-              </a:ext>
-            </a:extLst>
-          </p:cNvPr>
-          <p:cNvSpPr txBox="1"/>
-          <p:nvPr/>
-        </p:nvSpPr>
-        <p:spPr>
-          <a:xfrm>
-            <a:off x="854727" y="5026883"/>
-            <a:ext cx="7202895" cy="1754326"/>
-          </a:xfrm>
-          <a:prstGeom prst="rect">
-            <a:avLst/>
-          </a:prstGeom>
-          <a:noFill/>
-        </p:spPr>
-        <p:txBody>
-          <a:bodyPr wrap="square" rtlCol="0">
-            <a:spAutoFit/>
-          </a:bodyPr>
-          <a:lstStyle/>
-          <a:p>
-            <a:pPr marL="171450" indent="-171450">
-              <a:buFont typeface="Arial" panose="020B0604020202020204" pitchFamily="34" charset="0"/>
-              <a:buChar char="•"/>
-            </a:pPr>
-            <a:r>
-              <a:rPr lang="fr-FR" dirty="0"/>
-              <a:t>551 participants.</a:t>
-            </a:r>
-          </a:p>
-          <a:p>
-            <a:pPr marL="171450" indent="-171450">
-              <a:buFont typeface="Arial" panose="020B0604020202020204" pitchFamily="34" charset="0"/>
-              <a:buChar char="•"/>
-            </a:pPr>
-            <a:r>
-              <a:rPr lang="fr-FR" dirty="0"/>
-              <a:t>parité Hommes / Femmes respectée.</a:t>
-            </a:r>
-          </a:p>
-          <a:p>
-            <a:pPr marL="171450" indent="-171450">
-              <a:buFont typeface="Arial" panose="020B0604020202020204" pitchFamily="34" charset="0"/>
-              <a:buChar char="•"/>
-            </a:pPr>
-            <a:r>
-              <a:rPr lang="fr-FR" dirty="0"/>
-              <a:t>âges des participants dans la même tranche (moins de 30 ans) mis à part 3 exceptions chez les hommes et 3 chez les femmes (non significatifs)</a:t>
-            </a:r>
-          </a:p>
-          <a:p>
-            <a:pPr marL="171450" indent="-171450">
-              <a:buFont typeface="Arial" panose="020B0604020202020204" pitchFamily="34" charset="0"/>
-              <a:buChar char="•"/>
-            </a:pPr>
-            <a:r>
-              <a:rPr lang="fr-FR" dirty="0"/>
-              <a:t>métiers principalement dans le domaine tertiaire ce qui est probablement lié à la localisation des speed </a:t>
-            </a:r>
-            <a:r>
-              <a:rPr lang="fr-FR" dirty="0" err="1"/>
-              <a:t>datings</a:t>
-            </a:r>
-            <a:endParaRPr lang="fr-FR" dirty="0"/>
-          </a:p>
-        </p:txBody>
-      </p:sp>
       <p:pic>
         <p:nvPicPr>
-          <p:cNvPr id="4" name="Image 3" descr="Une image contenant texte, capture d’écran, cercle, diagramme&#10;&#10;Le contenu généré par l’IA peut être incorrect.">
-            <a:extLst>
-              <a:ext uri="{FF2B5EF4-FFF2-40B4-BE49-F238E27FC236}">
-                <a16:creationId xmlns:a16="http://schemas.microsoft.com/office/drawing/2014/main" id="{2A259F2F-5409-B187-8307-9C6F35AF707F}"/>
+          <p:cNvPr id="7" name="Image 6" descr="Une image contenant texte, capture d’écran, nombre, diagramme&#10;&#10;Le contenu généré par l’IA peut être incorrect.">
+            <a:extLst>
+              <a:ext uri="{FF2B5EF4-FFF2-40B4-BE49-F238E27FC236}">
+                <a16:creationId xmlns:a16="http://schemas.microsoft.com/office/drawing/2014/main" id="{AB30D73A-7783-BDD0-C59D-AC6969AC5801}"/>
               </a:ext>
             </a:extLst>
           </p:cNvPr>
@@ -5466,8 +5478,8 @@
         </p:blipFill>
         <p:spPr>
           <a:xfrm>
-            <a:off x="8566916" y="0"/>
-            <a:ext cx="3036506" cy="3035555"/>
+            <a:off x="154861" y="446124"/>
+            <a:ext cx="7757705" cy="4517412"/>
           </a:xfrm>
           <a:prstGeom prst="rect">
             <a:avLst/>
@@ -5618,7 +5630,7 @@
           <a:p>
             <a:r>
               <a:rPr lang="fr-FR" b="1" dirty="0"/>
-              <a:t>Axe d'analyse n°1: est ce que la notation des attributs chez le partenaire évolue au fil du temps?</a:t>
+              <a:t>Axe d'analyse n°1: est ce que la notation des critères chez le partenaire évolue au fil du temps?</a:t>
             </a:r>
             <a:endParaRPr lang="fr-FR" dirty="0"/>
           </a:p>
@@ -5627,36 +5639,87 @@
           </a:p>
         </p:txBody>
       </p:sp>
-      <p:pic>
-        <p:nvPicPr>
-          <p:cNvPr id="6" name="Image 5" descr="Une image contenant texte, capture d’écran, diagramme, ligne&#10;&#10;Le contenu généré par l’IA peut être incorrect.">
-            <a:extLst>
-              <a:ext uri="{FF2B5EF4-FFF2-40B4-BE49-F238E27FC236}">
-                <a16:creationId xmlns:a16="http://schemas.microsoft.com/office/drawing/2014/main" id="{5A736821-2ECF-797D-32AC-AEB041C64CFA}"/>
-              </a:ext>
-            </a:extLst>
-          </p:cNvPr>
-          <p:cNvPicPr>
-            <a:picLocks noChangeAspect="1"/>
-          </p:cNvPicPr>
+      <p:grpSp>
+        <p:nvGrpSpPr>
+          <p:cNvPr id="33" name="Groupe 32">
+            <a:extLst>
+              <a:ext uri="{FF2B5EF4-FFF2-40B4-BE49-F238E27FC236}">
+                <a16:creationId xmlns:a16="http://schemas.microsoft.com/office/drawing/2014/main" id="{15EB6CE1-79CA-A950-AA56-8C15B30E7F64}"/>
+              </a:ext>
+            </a:extLst>
+          </p:cNvPr>
+          <p:cNvGrpSpPr/>
           <p:nvPr/>
-        </p:nvPicPr>
-        <p:blipFill>
-          <a:blip r:embed="rId2"/>
-          <a:stretch>
-            <a:fillRect/>
-          </a:stretch>
-        </p:blipFill>
-        <p:spPr>
+        </p:nvGrpSpPr>
+        <p:grpSpPr>
           <a:xfrm>
-            <a:off x="2188464" y="684882"/>
-            <a:ext cx="8805672" cy="6036593"/>
+            <a:off x="556795" y="1061545"/>
+            <a:ext cx="11278105" cy="4829503"/>
+            <a:chOff x="630115" y="1702676"/>
+            <a:chExt cx="8566619" cy="3479101"/>
           </a:xfrm>
-          <a:prstGeom prst="rect">
-            <a:avLst/>
-          </a:prstGeom>
-        </p:spPr>
-      </p:pic>
+        </p:grpSpPr>
+        <p:pic>
+          <p:nvPicPr>
+            <p:cNvPr id="30" name="Image 29" descr="Une image contenant texte, capture d’écran, diagramme, Tracé&#10;&#10;Le contenu généré par l’IA peut être incorrect.">
+              <a:extLst>
+                <a:ext uri="{FF2B5EF4-FFF2-40B4-BE49-F238E27FC236}">
+                  <a16:creationId xmlns:a16="http://schemas.microsoft.com/office/drawing/2014/main" id="{B3A700A6-B168-FBA5-179F-A406B488AF90}"/>
+                </a:ext>
+              </a:extLst>
+            </p:cNvPr>
+            <p:cNvPicPr>
+              <a:picLocks noChangeAspect="1"/>
+            </p:cNvPicPr>
+            <p:nvPr/>
+          </p:nvPicPr>
+          <p:blipFill>
+            <a:blip r:embed="rId2"/>
+            <a:stretch>
+              <a:fillRect/>
+            </a:stretch>
+          </p:blipFill>
+          <p:spPr>
+            <a:xfrm>
+              <a:off x="630115" y="1781327"/>
+              <a:ext cx="3648102" cy="3400450"/>
+            </a:xfrm>
+            <a:prstGeom prst="rect">
+              <a:avLst/>
+            </a:prstGeom>
+          </p:spPr>
+        </p:pic>
+        <p:pic>
+          <p:nvPicPr>
+            <p:cNvPr id="32" name="Image 31" descr="Une image contenant texte, capture d’écran, diagramme, Tracé&#10;&#10;Le contenu généré par l’IA peut être incorrect.">
+              <a:extLst>
+                <a:ext uri="{FF2B5EF4-FFF2-40B4-BE49-F238E27FC236}">
+                  <a16:creationId xmlns:a16="http://schemas.microsoft.com/office/drawing/2014/main" id="{219A3C0E-7D32-0002-CD01-B6FD8D1D1776}"/>
+                </a:ext>
+              </a:extLst>
+            </p:cNvPr>
+            <p:cNvPicPr>
+              <a:picLocks noChangeAspect="1"/>
+            </p:cNvPicPr>
+            <p:nvPr/>
+          </p:nvPicPr>
+          <p:blipFill>
+            <a:blip r:embed="rId3"/>
+            <a:stretch>
+              <a:fillRect/>
+            </a:stretch>
+          </p:blipFill>
+          <p:spPr>
+            <a:xfrm>
+              <a:off x="4341498" y="1702676"/>
+              <a:ext cx="4855236" cy="3479101"/>
+            </a:xfrm>
+            <a:prstGeom prst="rect">
+              <a:avLst/>
+            </a:prstGeom>
+          </p:spPr>
+        </p:pic>
+      </p:grpSp>
     </p:spTree>
     <p:extLst>
       <p:ext uri="{BB962C8B-B14F-4D97-AF65-F5344CB8AC3E}">
@@ -5846,15 +5909,15 @@
             </a:pPr>
             <a:r>
               <a:rPr lang="fr-FR" dirty="0"/>
-              <a:t>L’</a:t>
+              <a:t>La </a:t>
             </a:r>
             <a:r>
               <a:rPr lang="fr-FR" b="1" dirty="0"/>
-              <a:t>attractivité physique</a:t>
+              <a:t>beauté </a:t>
             </a:r>
             <a:r>
               <a:rPr lang="fr-FR" dirty="0"/>
-              <a:t> demeure le critère dominant à tous les moments de mesure.</a:t>
+              <a:t>demeure le critère dominant à tous les moments de mesure.</a:t>
             </a:r>
           </a:p>
           <a:p>
@@ -5868,7 +5931,7 @@
             </a:r>
             <a:r>
               <a:rPr lang="fr-FR" b="1" dirty="0"/>
-              <a:t>« drôle »</a:t>
+              <a:t>« humour »</a:t>
             </a:r>
             <a:r>
               <a:rPr lang="fr-FR" dirty="0"/>
@@ -5898,7 +5961,7 @@
             </a:r>
             <a:r>
               <a:rPr lang="fr-FR" dirty="0"/>
-              <a:t>, traduisant une hiérarchie claire des préférences.</a:t>
+              <a:t>, traduisant une hiérarchisation claire des préférences.</a:t>
             </a:r>
           </a:p>
           <a:p>
@@ -5942,15 +6005,15 @@
             </a:pPr>
             <a:r>
               <a:rPr lang="fr-FR" dirty="0"/>
-              <a:t>À partir du speed dating, l’</a:t>
+              <a:t>À partir du speed dating, la </a:t>
             </a:r>
             <a:r>
               <a:rPr lang="fr-FR" b="1" dirty="0"/>
-              <a:t>attractivité physique</a:t>
+              <a:t>beauté </a:t>
             </a:r>
             <a:r>
               <a:rPr lang="fr-FR" dirty="0"/>
-              <a:t> devient le critère n°1 et le reste dans le temps.</a:t>
+              <a:t>devient le critère n°1 et le reste dans le temps.</a:t>
             </a:r>
           </a:p>
           <a:p>
@@ -6022,7 +6085,7 @@
             </a:r>
             <a:r>
               <a:rPr lang="fr-FR" dirty="0"/>
-              <a:t>, avec un recentrage sur l’attractivité physique après l’expérience.</a:t>
+              <a:t>, avec un recentrage sur la beauté après l’expérience.</a:t>
             </a:r>
           </a:p>
         </p:txBody>
@@ -6171,7 +6234,7 @@
           <a:p>
             <a:r>
               <a:rPr lang="fr-FR" b="1" dirty="0"/>
-              <a:t>Axe d'analyse n°2: est ce que la façon dont les participants s'auto évaluent a une incidence sur le fait d'avoir un match?</a:t>
+              <a:t>Axe d'analyse n°2: est ce que la façon dont les participants s'auto-évaluent a une incidence sur le fait d'avoir un match?</a:t>
             </a:r>
             <a:endParaRPr lang="fr-FR" dirty="0"/>
           </a:p>
@@ -6180,36 +6243,87 @@
           </a:p>
         </p:txBody>
       </p:sp>
-      <p:pic>
-        <p:nvPicPr>
-          <p:cNvPr id="8" name="Image 7" descr="Une image contenant texte, capture d’écran, diagramme, Caractère coloré&#10;&#10;Le contenu généré par l’IA peut être incorrect.">
-            <a:extLst>
-              <a:ext uri="{FF2B5EF4-FFF2-40B4-BE49-F238E27FC236}">
-                <a16:creationId xmlns:a16="http://schemas.microsoft.com/office/drawing/2014/main" id="{AF24C3E6-92D7-A61D-8F54-4FC90CC67925}"/>
-              </a:ext>
-            </a:extLst>
-          </p:cNvPr>
-          <p:cNvPicPr>
-            <a:picLocks noChangeAspect="1"/>
-          </p:cNvPicPr>
+      <p:grpSp>
+        <p:nvGrpSpPr>
+          <p:cNvPr id="12" name="Groupe 11">
+            <a:extLst>
+              <a:ext uri="{FF2B5EF4-FFF2-40B4-BE49-F238E27FC236}">
+                <a16:creationId xmlns:a16="http://schemas.microsoft.com/office/drawing/2014/main" id="{E4C68BC9-EDBF-19E3-9EF6-E880900FEDDC}"/>
+              </a:ext>
+            </a:extLst>
+          </p:cNvPr>
+          <p:cNvGrpSpPr/>
           <p:nvPr/>
-        </p:nvPicPr>
-        <p:blipFill>
-          <a:blip r:embed="rId2"/>
-          <a:stretch>
-            <a:fillRect/>
-          </a:stretch>
-        </p:blipFill>
-        <p:spPr>
+        </p:nvGrpSpPr>
+        <p:grpSpPr>
           <a:xfrm>
-            <a:off x="2189982" y="426713"/>
-            <a:ext cx="8831742" cy="6294762"/>
+            <a:off x="3488265" y="307856"/>
+            <a:ext cx="6475542" cy="6550143"/>
+            <a:chOff x="2568609" y="418216"/>
+            <a:chExt cx="5819818" cy="5690933"/>
           </a:xfrm>
-          <a:prstGeom prst="rect">
-            <a:avLst/>
-          </a:prstGeom>
-        </p:spPr>
-      </p:pic>
+        </p:grpSpPr>
+        <p:pic>
+          <p:nvPicPr>
+            <p:cNvPr id="5" name="Image 4" descr="Une image contenant texte, capture d’écran, ligne, Tracé&#10;&#10;Le contenu généré par l’IA peut être incorrect.">
+              <a:extLst>
+                <a:ext uri="{FF2B5EF4-FFF2-40B4-BE49-F238E27FC236}">
+                  <a16:creationId xmlns:a16="http://schemas.microsoft.com/office/drawing/2014/main" id="{FF1C3C7D-B05A-F40C-ABE3-69FE2404F03F}"/>
+                </a:ext>
+              </a:extLst>
+            </p:cNvPr>
+            <p:cNvPicPr>
+              <a:picLocks noChangeAspect="1"/>
+            </p:cNvPicPr>
+            <p:nvPr/>
+          </p:nvPicPr>
+          <p:blipFill>
+            <a:blip r:embed="rId2"/>
+            <a:stretch>
+              <a:fillRect/>
+            </a:stretch>
+          </p:blipFill>
+          <p:spPr>
+            <a:xfrm>
+              <a:off x="2568609" y="418216"/>
+              <a:ext cx="4743485" cy="2800370"/>
+            </a:xfrm>
+            <a:prstGeom prst="rect">
+              <a:avLst/>
+            </a:prstGeom>
+          </p:spPr>
+        </p:pic>
+        <p:pic>
+          <p:nvPicPr>
+            <p:cNvPr id="9" name="Image 8" descr="Une image contenant texte, capture d’écran, Tracé, diagramme&#10;&#10;Le contenu généré par l’IA peut être incorrect.">
+              <a:extLst>
+                <a:ext uri="{FF2B5EF4-FFF2-40B4-BE49-F238E27FC236}">
+                  <a16:creationId xmlns:a16="http://schemas.microsoft.com/office/drawing/2014/main" id="{A5BA9F2F-06C8-3D54-9434-B4F06F75C2DF}"/>
+                </a:ext>
+              </a:extLst>
+            </p:cNvPr>
+            <p:cNvPicPr>
+              <a:picLocks noChangeAspect="1"/>
+            </p:cNvPicPr>
+            <p:nvPr/>
+          </p:nvPicPr>
+          <p:blipFill>
+            <a:blip r:embed="rId3"/>
+            <a:stretch>
+              <a:fillRect/>
+            </a:stretch>
+          </p:blipFill>
+          <p:spPr>
+            <a:xfrm>
+              <a:off x="2568609" y="3337354"/>
+              <a:ext cx="5819818" cy="2771795"/>
+            </a:xfrm>
+            <a:prstGeom prst="rect">
+              <a:avLst/>
+            </a:prstGeom>
+          </p:spPr>
+        </p:pic>
+      </p:grpSp>
     </p:spTree>
     <p:extLst>
       <p:ext uri="{BB962C8B-B14F-4D97-AF65-F5344CB8AC3E}">
@@ -6346,7 +6460,7 @@
         </p:blipFill>
         <p:spPr>
           <a:xfrm>
-            <a:off x="1265274" y="0"/>
+            <a:off x="2233462" y="7616"/>
             <a:ext cx="4741401" cy="4248379"/>
           </a:xfrm>
           <a:prstGeom prst="rect">
@@ -6376,7 +6490,7 @@
         </p:blipFill>
         <p:spPr>
           <a:xfrm>
-            <a:off x="6478064" y="0"/>
+            <a:off x="7261191" y="7615"/>
             <a:ext cx="4741401" cy="4248379"/>
           </a:xfrm>
           <a:prstGeom prst="rect">
@@ -6805,7 +6919,7 @@
           <a:p>
             <a:r>
               <a:rPr lang="fr-FR" sz="1400" b="1" dirty="0"/>
-              <a:t>→ À retenir</a:t>
+              <a:t>→ À retenir:</a:t>
             </a:r>
             <a:r>
               <a:rPr lang="fr-FR" sz="1400" dirty="0"/>
@@ -6851,66 +6965,87 @@
           </a:p>
         </p:txBody>
       </p:sp>
-      <p:pic>
-        <p:nvPicPr>
-          <p:cNvPr id="11" name="Image 10" descr="Une image contenant texte, capture d’écran, cercle, diagramme&#10;&#10;Le contenu généré par l’IA peut être incorrect.">
-            <a:extLst>
-              <a:ext uri="{FF2B5EF4-FFF2-40B4-BE49-F238E27FC236}">
-                <a16:creationId xmlns:a16="http://schemas.microsoft.com/office/drawing/2014/main" id="{A362BF90-FDD3-E35C-6FBB-53FBCCFB606D}"/>
-              </a:ext>
-            </a:extLst>
-          </p:cNvPr>
-          <p:cNvPicPr>
-            <a:picLocks noChangeAspect="1"/>
-          </p:cNvPicPr>
+      <p:grpSp>
+        <p:nvGrpSpPr>
+          <p:cNvPr id="14" name="Groupe 13">
+            <a:extLst>
+              <a:ext uri="{FF2B5EF4-FFF2-40B4-BE49-F238E27FC236}">
+                <a16:creationId xmlns:a16="http://schemas.microsoft.com/office/drawing/2014/main" id="{683048E8-92A3-0832-D098-98B5AF6A8E97}"/>
+              </a:ext>
+            </a:extLst>
+          </p:cNvPr>
+          <p:cNvGrpSpPr/>
           <p:nvPr/>
-        </p:nvPicPr>
-        <p:blipFill>
-          <a:blip r:embed="rId2"/>
-          <a:stretch>
-            <a:fillRect/>
-          </a:stretch>
-        </p:blipFill>
-        <p:spPr>
+        </p:nvGrpSpPr>
+        <p:grpSpPr>
           <a:xfrm>
-            <a:off x="1707931" y="530351"/>
-            <a:ext cx="5076825" cy="4257675"/>
+            <a:off x="2257572" y="424099"/>
+            <a:ext cx="9451231" cy="3849738"/>
+            <a:chOff x="1902569" y="741450"/>
+            <a:chExt cx="9867900" cy="4257676"/>
           </a:xfrm>
-          <a:prstGeom prst="rect">
-            <a:avLst/>
-          </a:prstGeom>
-        </p:spPr>
-      </p:pic>
-      <p:pic>
-        <p:nvPicPr>
-          <p:cNvPr id="13" name="Image 12" descr="Une image contenant texte, capture d’écran, cercle, diagramme&#10;&#10;Le contenu généré par l’IA peut être incorrect.">
-            <a:extLst>
-              <a:ext uri="{FF2B5EF4-FFF2-40B4-BE49-F238E27FC236}">
-                <a16:creationId xmlns:a16="http://schemas.microsoft.com/office/drawing/2014/main" id="{2427A6EF-7D40-E654-0564-BAD6FB339CE3}"/>
-              </a:ext>
-            </a:extLst>
-          </p:cNvPr>
-          <p:cNvPicPr>
-            <a:picLocks noChangeAspect="1"/>
-          </p:cNvPicPr>
-          <p:nvPr/>
-        </p:nvPicPr>
-        <p:blipFill>
-          <a:blip r:embed="rId3"/>
-          <a:stretch>
-            <a:fillRect/>
-          </a:stretch>
-        </p:blipFill>
-        <p:spPr>
-          <a:xfrm>
-            <a:off x="7461504" y="525616"/>
-            <a:ext cx="3714750" cy="4257675"/>
-          </a:xfrm>
-          <a:prstGeom prst="rect">
-            <a:avLst/>
-          </a:prstGeom>
-        </p:spPr>
-      </p:pic>
+        </p:grpSpPr>
+        <p:pic>
+          <p:nvPicPr>
+            <p:cNvPr id="6" name="Image 5" descr="Une image contenant texte, capture d’écran, cercle, diagramme&#10;&#10;Le contenu généré par l’IA peut être incorrect.">
+              <a:extLst>
+                <a:ext uri="{FF2B5EF4-FFF2-40B4-BE49-F238E27FC236}">
+                  <a16:creationId xmlns:a16="http://schemas.microsoft.com/office/drawing/2014/main" id="{8A9D5C53-A29A-E1B7-9156-F2BDA8452A74}"/>
+                </a:ext>
+              </a:extLst>
+            </p:cNvPr>
+            <p:cNvPicPr>
+              <a:picLocks noChangeAspect="1"/>
+            </p:cNvPicPr>
+            <p:nvPr/>
+          </p:nvPicPr>
+          <p:blipFill>
+            <a:blip r:embed="rId2"/>
+            <a:stretch>
+              <a:fillRect/>
+            </a:stretch>
+          </p:blipFill>
+          <p:spPr>
+            <a:xfrm>
+              <a:off x="1902569" y="741451"/>
+              <a:ext cx="5076825" cy="4257675"/>
+            </a:xfrm>
+            <a:prstGeom prst="rect">
+              <a:avLst/>
+            </a:prstGeom>
+          </p:spPr>
+        </p:pic>
+        <p:pic>
+          <p:nvPicPr>
+            <p:cNvPr id="12" name="Image 11" descr="Une image contenant texte, capture d’écran, cercle, Police&#10;&#10;Le contenu généré par l’IA peut être incorrect.">
+              <a:extLst>
+                <a:ext uri="{FF2B5EF4-FFF2-40B4-BE49-F238E27FC236}">
+                  <a16:creationId xmlns:a16="http://schemas.microsoft.com/office/drawing/2014/main" id="{64E4CA8A-E6C8-9646-D897-F24AC7C34C32}"/>
+                </a:ext>
+              </a:extLst>
+            </p:cNvPr>
+            <p:cNvPicPr>
+              <a:picLocks noChangeAspect="1"/>
+            </p:cNvPicPr>
+            <p:nvPr/>
+          </p:nvPicPr>
+          <p:blipFill>
+            <a:blip r:embed="rId3"/>
+            <a:stretch>
+              <a:fillRect/>
+            </a:stretch>
+          </p:blipFill>
+          <p:spPr>
+            <a:xfrm>
+              <a:off x="6979394" y="741450"/>
+              <a:ext cx="4791075" cy="4257675"/>
+            </a:xfrm>
+            <a:prstGeom prst="rect">
+              <a:avLst/>
+            </a:prstGeom>
+          </p:spPr>
+        </p:pic>
+      </p:grpSp>
     </p:spTree>
     <p:extLst>
       <p:ext uri="{BB962C8B-B14F-4D97-AF65-F5344CB8AC3E}">
@@ -6949,10 +7084,10 @@
       </p:grpSpPr>
       <p:pic>
         <p:nvPicPr>
-          <p:cNvPr id="8" name="Image 7" descr="Une image contenant cercle, diagramme, texte, capture d’écran&#10;&#10;Le contenu généré par l’IA peut être incorrect.">
-            <a:extLst>
-              <a:ext uri="{FF2B5EF4-FFF2-40B4-BE49-F238E27FC236}">
-                <a16:creationId xmlns:a16="http://schemas.microsoft.com/office/drawing/2014/main" id="{E14A8DEE-F401-BF93-A489-95253455EB19}"/>
+          <p:cNvPr id="6" name="Image 5" descr="Une image contenant cercle, texte, diagramme, capture d’écran&#10;&#10;Le contenu généré par l’IA peut être incorrect.">
+            <a:extLst>
+              <a:ext uri="{FF2B5EF4-FFF2-40B4-BE49-F238E27FC236}">
+                <a16:creationId xmlns:a16="http://schemas.microsoft.com/office/drawing/2014/main" id="{8457C655-4FEA-F050-7909-718C49676833}"/>
               </a:ext>
             </a:extLst>
           </p:cNvPr>
@@ -6969,8 +7104,8 @@
         </p:blipFill>
         <p:spPr>
           <a:xfrm>
-            <a:off x="2838761" y="602471"/>
-            <a:ext cx="8800185" cy="6285050"/>
+            <a:off x="2785263" y="618988"/>
+            <a:ext cx="8753931" cy="6252015"/>
           </a:xfrm>
           <a:prstGeom prst="rect">
             <a:avLst/>

--- a/speed_dating.pptx
+++ b/speed_dating.pptx
@@ -5,7 +5,7 @@
     <p:sldMasterId id="2147483648" r:id="rId1"/>
   </p:sldMasterIdLst>
   <p:notesMasterIdLst>
-    <p:notesMasterId r:id="rId13"/>
+    <p:notesMasterId r:id="rId14"/>
   </p:notesMasterIdLst>
   <p:sldIdLst>
     <p:sldId id="256" r:id="rId2"/>
@@ -19,6 +19,7 @@
     <p:sldId id="264" r:id="rId10"/>
     <p:sldId id="265" r:id="rId11"/>
     <p:sldId id="266" r:id="rId12"/>
+    <p:sldId id="267" r:id="rId13"/>
   </p:sldIdLst>
   <p:sldSz cx="12192000" cy="6858000"/>
   <p:notesSz cx="6858000" cy="9144000"/>
@@ -4807,6 +4808,167 @@
 </p:sld>
 </file>
 
+<file path=ppt/slides/slide12.xml><?xml version="1.0" encoding="utf-8"?>
+<p:sld xmlns:a="http://schemas.openxmlformats.org/drawingml/2006/main" xmlns:r="http://schemas.openxmlformats.org/officeDocument/2006/relationships" xmlns:p="http://schemas.openxmlformats.org/presentationml/2006/main">
+  <p:cSld>
+    <p:spTree>
+      <p:nvGrpSpPr>
+        <p:cNvPr id="1" name="">
+          <a:extLst>
+            <a:ext uri="{FF2B5EF4-FFF2-40B4-BE49-F238E27FC236}">
+              <a16:creationId xmlns:a16="http://schemas.microsoft.com/office/drawing/2014/main" id="{9F0810B8-7227-D91A-856C-1C61EDA47D07}"/>
+            </a:ext>
+          </a:extLst>
+        </p:cNvPr>
+        <p:cNvGrpSpPr/>
+        <p:nvPr/>
+      </p:nvGrpSpPr>
+      <p:grpSpPr>
+        <a:xfrm>
+          <a:off x="0" y="0"/>
+          <a:ext cx="0" cy="0"/>
+          <a:chOff x="0" y="0"/>
+          <a:chExt cx="0" cy="0"/>
+        </a:xfrm>
+      </p:grpSpPr>
+      <p:sp>
+        <p:nvSpPr>
+          <p:cNvPr id="2" name="Titre 1">
+            <a:extLst>
+              <a:ext uri="{FF2B5EF4-FFF2-40B4-BE49-F238E27FC236}">
+                <a16:creationId xmlns:a16="http://schemas.microsoft.com/office/drawing/2014/main" id="{153219AF-2EF4-135A-7B3A-711847166029}"/>
+              </a:ext>
+            </a:extLst>
+          </p:cNvPr>
+          <p:cNvSpPr>
+            <a:spLocks noGrp="1"/>
+          </p:cNvSpPr>
+          <p:nvPr>
+            <p:ph type="ctrTitle"/>
+          </p:nvPr>
+        </p:nvSpPr>
+        <p:spPr>
+          <a:xfrm>
+            <a:off x="1471448" y="1674155"/>
+            <a:ext cx="9144000" cy="2387600"/>
+          </a:xfrm>
+        </p:spPr>
+        <p:txBody>
+          <a:bodyPr>
+            <a:normAutofit/>
+          </a:bodyPr>
+          <a:lstStyle/>
+          <a:p>
+            <a:r>
+              <a:rPr lang="fr-FR" b="1" dirty="0"/>
+              <a:t>Merci pour votre attention</a:t>
+            </a:r>
+            <a:endParaRPr lang="fr-FR" dirty="0"/>
+          </a:p>
+        </p:txBody>
+      </p:sp>
+      <p:pic>
+        <p:nvPicPr>
+          <p:cNvPr id="5" name="Image 4" descr="Une image contenant logo, Graphique, Police, graphisme&#10;&#10;Le contenu généré par l’IA peut être incorrect.">
+            <a:extLst>
+              <a:ext uri="{FF2B5EF4-FFF2-40B4-BE49-F238E27FC236}">
+                <a16:creationId xmlns:a16="http://schemas.microsoft.com/office/drawing/2014/main" id="{AA81B2F8-EBE4-332B-02A7-3CCA5E761F7A}"/>
+              </a:ext>
+            </a:extLst>
+          </p:cNvPr>
+          <p:cNvPicPr>
+            <a:picLocks noChangeAspect="1"/>
+          </p:cNvPicPr>
+          <p:nvPr/>
+        </p:nvPicPr>
+        <p:blipFill>
+          <a:blip r:embed="rId2"/>
+          <a:stretch>
+            <a:fillRect/>
+          </a:stretch>
+        </p:blipFill>
+        <p:spPr>
+          <a:xfrm>
+            <a:off x="9679022" y="42040"/>
+            <a:ext cx="2214137" cy="1153357"/>
+          </a:xfrm>
+          <a:prstGeom prst="rect">
+            <a:avLst/>
+          </a:prstGeom>
+        </p:spPr>
+      </p:pic>
+      <p:pic>
+        <p:nvPicPr>
+          <p:cNvPr id="9" name="Image 8" descr="Une image contenant Police, Graphique, logo, symbole&#10;&#10;Le contenu généré par l’IA peut être incorrect.">
+            <a:extLst>
+              <a:ext uri="{FF2B5EF4-FFF2-40B4-BE49-F238E27FC236}">
+                <a16:creationId xmlns:a16="http://schemas.microsoft.com/office/drawing/2014/main" id="{8AA25077-A440-41A4-28CC-B446557F0866}"/>
+              </a:ext>
+            </a:extLst>
+          </p:cNvPr>
+          <p:cNvPicPr>
+            <a:picLocks noChangeAspect="1"/>
+          </p:cNvPicPr>
+          <p:nvPr/>
+        </p:nvPicPr>
+        <p:blipFill>
+          <a:blip r:embed="rId3"/>
+          <a:stretch>
+            <a:fillRect/>
+          </a:stretch>
+        </p:blipFill>
+        <p:spPr>
+          <a:xfrm>
+            <a:off x="0" y="158336"/>
+            <a:ext cx="2228866" cy="847731"/>
+          </a:xfrm>
+          <a:prstGeom prst="rect">
+            <a:avLst/>
+          </a:prstGeom>
+        </p:spPr>
+      </p:pic>
+      <p:sp>
+        <p:nvSpPr>
+          <p:cNvPr id="11" name="Espace réservé du numéro de diapositive 10">
+            <a:extLst>
+              <a:ext uri="{FF2B5EF4-FFF2-40B4-BE49-F238E27FC236}">
+                <a16:creationId xmlns:a16="http://schemas.microsoft.com/office/drawing/2014/main" id="{2A482529-319B-3743-5C02-D20FE8F62557}"/>
+              </a:ext>
+            </a:extLst>
+          </p:cNvPr>
+          <p:cNvSpPr>
+            <a:spLocks noGrp="1"/>
+          </p:cNvSpPr>
+          <p:nvPr>
+            <p:ph type="sldNum" sz="quarter" idx="12"/>
+          </p:nvPr>
+        </p:nvSpPr>
+        <p:spPr/>
+        <p:txBody>
+          <a:bodyPr/>
+          <a:lstStyle/>
+          <a:p>
+            <a:fld id="{86FD7C0E-B5E2-46F8-8369-32F2BC9FE565}" type="slidenum">
+              <a:rPr lang="fr-FR" smtClean="0"/>
+              <a:t>12</a:t>
+            </a:fld>
+            <a:endParaRPr lang="fr-FR"/>
+          </a:p>
+        </p:txBody>
+      </p:sp>
+    </p:spTree>
+    <p:extLst>
+      <p:ext uri="{BB962C8B-B14F-4D97-AF65-F5344CB8AC3E}">
+        <p14:creationId xmlns:p14="http://schemas.microsoft.com/office/powerpoint/2010/main" val="3878580432"/>
+      </p:ext>
+    </p:extLst>
+  </p:cSld>
+  <p:clrMapOvr>
+    <a:masterClrMapping/>
+  </p:clrMapOvr>
+</p:sld>
+</file>
+
 <file path=ppt/slides/slide2.xml><?xml version="1.0" encoding="utf-8"?>
 <p:sld xmlns:a="http://schemas.openxmlformats.org/drawingml/2006/main" xmlns:r="http://schemas.openxmlformats.org/officeDocument/2006/relationships" xmlns:p="http://schemas.openxmlformats.org/presentationml/2006/main">
   <p:cSld>
@@ -5571,80 +5733,12 @@
           </a:p>
         </p:txBody>
       </p:sp>
-      <p:sp>
-        <p:nvSpPr>
-          <p:cNvPr id="3" name="Espace réservé du numéro de diapositive 2">
-            <a:extLst>
-              <a:ext uri="{FF2B5EF4-FFF2-40B4-BE49-F238E27FC236}">
-                <a16:creationId xmlns:a16="http://schemas.microsoft.com/office/drawing/2014/main" id="{9AB8562B-D34A-45CB-808A-A578233838E4}"/>
-              </a:ext>
-            </a:extLst>
-          </p:cNvPr>
-          <p:cNvSpPr>
-            <a:spLocks noGrp="1"/>
-          </p:cNvSpPr>
-          <p:nvPr>
-            <p:ph type="sldNum" sz="quarter" idx="12"/>
-          </p:nvPr>
-        </p:nvSpPr>
-        <p:spPr/>
-        <p:txBody>
-          <a:bodyPr/>
-          <a:lstStyle/>
-          <a:p>
-            <a:fld id="{86FD7C0E-B5E2-46F8-8369-32F2BC9FE565}" type="slidenum">
-              <a:rPr lang="fr-FR" smtClean="0"/>
-              <a:t>4</a:t>
-            </a:fld>
-            <a:endParaRPr lang="fr-FR"/>
-          </a:p>
-        </p:txBody>
-      </p:sp>
-      <p:sp>
-        <p:nvSpPr>
-          <p:cNvPr id="4" name="ZoneTexte 3">
-            <a:extLst>
-              <a:ext uri="{FF2B5EF4-FFF2-40B4-BE49-F238E27FC236}">
-                <a16:creationId xmlns:a16="http://schemas.microsoft.com/office/drawing/2014/main" id="{CF0AAF65-5681-6ADA-05DE-4B6B2D4AAA9F}"/>
-              </a:ext>
-            </a:extLst>
-          </p:cNvPr>
-          <p:cNvSpPr txBox="1"/>
-          <p:nvPr/>
-        </p:nvSpPr>
-        <p:spPr>
-          <a:xfrm>
-            <a:off x="1828800" y="274320"/>
-            <a:ext cx="9525000" cy="646331"/>
-          </a:xfrm>
-          <a:prstGeom prst="rect">
-            <a:avLst/>
-          </a:prstGeom>
-          <a:noFill/>
-        </p:spPr>
-        <p:txBody>
-          <a:bodyPr wrap="square" rtlCol="0">
-            <a:spAutoFit/>
-          </a:bodyPr>
-          <a:lstStyle/>
-          <a:p>
-            <a:r>
-              <a:rPr lang="fr-FR" b="1" dirty="0"/>
-              <a:t>Axe d'analyse n°1: est ce que la notation des critères chez le partenaire évolue au fil du temps?</a:t>
-            </a:r>
-            <a:endParaRPr lang="fr-FR" dirty="0"/>
-          </a:p>
-          <a:p>
-            <a:endParaRPr lang="fr-FR" dirty="0"/>
-          </a:p>
-        </p:txBody>
-      </p:sp>
       <p:grpSp>
         <p:nvGrpSpPr>
-          <p:cNvPr id="33" name="Groupe 32">
-            <a:extLst>
-              <a:ext uri="{FF2B5EF4-FFF2-40B4-BE49-F238E27FC236}">
-                <a16:creationId xmlns:a16="http://schemas.microsoft.com/office/drawing/2014/main" id="{15EB6CE1-79CA-A950-AA56-8C15B30E7F64}"/>
+          <p:cNvPr id="8" name="Groupe 7">
+            <a:extLst>
+              <a:ext uri="{FF2B5EF4-FFF2-40B4-BE49-F238E27FC236}">
+                <a16:creationId xmlns:a16="http://schemas.microsoft.com/office/drawing/2014/main" id="{1DDA9363-36C0-E6C6-6CF5-8FFC3BB17889}"/>
               </a:ext>
             </a:extLst>
           </p:cNvPr>
@@ -5653,18 +5747,18 @@
         </p:nvGrpSpPr>
         <p:grpSpPr>
           <a:xfrm>
-            <a:off x="556795" y="1061545"/>
-            <a:ext cx="11278105" cy="4829503"/>
-            <a:chOff x="630115" y="1702676"/>
-            <a:chExt cx="8566619" cy="3479101"/>
+            <a:off x="588326" y="1974028"/>
+            <a:ext cx="10765474" cy="4883972"/>
+            <a:chOff x="588326" y="2137676"/>
+            <a:chExt cx="10143068" cy="4720324"/>
           </a:xfrm>
         </p:grpSpPr>
         <p:pic>
           <p:nvPicPr>
-            <p:cNvPr id="30" name="Image 29" descr="Une image contenant texte, capture d’écran, diagramme, Tracé&#10;&#10;Le contenu généré par l’IA peut être incorrect.">
+            <p:cNvPr id="7" name="Image 6" descr="Une image contenant texte, capture d’écran, diagramme, ligne&#10;&#10;Le contenu généré par l’IA peut être incorrect.">
               <a:extLst>
                 <a:ext uri="{FF2B5EF4-FFF2-40B4-BE49-F238E27FC236}">
-                  <a16:creationId xmlns:a16="http://schemas.microsoft.com/office/drawing/2014/main" id="{B3A700A6-B168-FBA5-179F-A406B488AF90}"/>
+                  <a16:creationId xmlns:a16="http://schemas.microsoft.com/office/drawing/2014/main" id="{7EBC8ED3-4958-C3CC-2C5C-1FDC99847E77}"/>
                 </a:ext>
               </a:extLst>
             </p:cNvPr>
@@ -5681,8 +5775,8 @@
           </p:blipFill>
           <p:spPr>
             <a:xfrm>
-              <a:off x="630115" y="1781327"/>
-              <a:ext cx="3648102" cy="3400450"/>
+              <a:off x="5536422" y="2137676"/>
+              <a:ext cx="5194972" cy="4583799"/>
             </a:xfrm>
             <a:prstGeom prst="rect">
               <a:avLst/>
@@ -5691,10 +5785,10 @@
         </p:pic>
         <p:pic>
           <p:nvPicPr>
-            <p:cNvPr id="32" name="Image 31" descr="Une image contenant texte, capture d’écran, diagramme, Tracé&#10;&#10;Le contenu généré par l’IA peut être incorrect.">
+            <p:cNvPr id="30" name="Image 29" descr="Une image contenant texte, capture d’écran, diagramme, Tracé&#10;&#10;Le contenu généré par l’IA peut être incorrect.">
               <a:extLst>
                 <a:ext uri="{FF2B5EF4-FFF2-40B4-BE49-F238E27FC236}">
-                  <a16:creationId xmlns:a16="http://schemas.microsoft.com/office/drawing/2014/main" id="{219A3C0E-7D32-0002-CD01-B6FD8D1D1776}"/>
+                  <a16:creationId xmlns:a16="http://schemas.microsoft.com/office/drawing/2014/main" id="{B3A700A6-B168-FBA5-179F-A406B488AF90}"/>
                 </a:ext>
               </a:extLst>
             </p:cNvPr>
@@ -5711,8 +5805,8 @@
           </p:blipFill>
           <p:spPr>
             <a:xfrm>
-              <a:off x="4341498" y="1702676"/>
-              <a:ext cx="4855236" cy="3479101"/>
+              <a:off x="588326" y="2137676"/>
+              <a:ext cx="4802791" cy="4720324"/>
             </a:xfrm>
             <a:prstGeom prst="rect">
               <a:avLst/>
@@ -5720,6 +5814,187 @@
           </p:spPr>
         </p:pic>
       </p:grpSp>
+      <p:sp>
+        <p:nvSpPr>
+          <p:cNvPr id="3" name="Espace réservé du numéro de diapositive 2">
+            <a:extLst>
+              <a:ext uri="{FF2B5EF4-FFF2-40B4-BE49-F238E27FC236}">
+                <a16:creationId xmlns:a16="http://schemas.microsoft.com/office/drawing/2014/main" id="{9AB8562B-D34A-45CB-808A-A578233838E4}"/>
+              </a:ext>
+            </a:extLst>
+          </p:cNvPr>
+          <p:cNvSpPr>
+            <a:spLocks noGrp="1"/>
+          </p:cNvSpPr>
+          <p:nvPr>
+            <p:ph type="sldNum" sz="quarter" idx="12"/>
+          </p:nvPr>
+        </p:nvSpPr>
+        <p:spPr/>
+        <p:txBody>
+          <a:bodyPr/>
+          <a:lstStyle/>
+          <a:p>
+            <a:fld id="{86FD7C0E-B5E2-46F8-8369-32F2BC9FE565}" type="slidenum">
+              <a:rPr lang="fr-FR" smtClean="0"/>
+              <a:t>4</a:t>
+            </a:fld>
+            <a:endParaRPr lang="fr-FR"/>
+          </a:p>
+        </p:txBody>
+      </p:sp>
+      <p:sp>
+        <p:nvSpPr>
+          <p:cNvPr id="4" name="ZoneTexte 3">
+            <a:extLst>
+              <a:ext uri="{FF2B5EF4-FFF2-40B4-BE49-F238E27FC236}">
+                <a16:creationId xmlns:a16="http://schemas.microsoft.com/office/drawing/2014/main" id="{CF0AAF65-5681-6ADA-05DE-4B6B2D4AAA9F}"/>
+              </a:ext>
+            </a:extLst>
+          </p:cNvPr>
+          <p:cNvSpPr txBox="1"/>
+          <p:nvPr/>
+        </p:nvSpPr>
+        <p:spPr>
+          <a:xfrm>
+            <a:off x="1828800" y="274320"/>
+            <a:ext cx="9525000" cy="646331"/>
+          </a:xfrm>
+          <a:prstGeom prst="rect">
+            <a:avLst/>
+          </a:prstGeom>
+          <a:noFill/>
+        </p:spPr>
+        <p:txBody>
+          <a:bodyPr wrap="square" rtlCol="0">
+            <a:spAutoFit/>
+          </a:bodyPr>
+          <a:lstStyle/>
+          <a:p>
+            <a:r>
+              <a:rPr lang="fr-FR" b="1" dirty="0"/>
+              <a:t>Axe d'analyse n°1: est ce que la notation des critères chez le partenaire évolue au fil du temps?</a:t>
+            </a:r>
+            <a:endParaRPr lang="fr-FR" dirty="0"/>
+          </a:p>
+          <a:p>
+            <a:endParaRPr lang="fr-FR" dirty="0"/>
+          </a:p>
+        </p:txBody>
+      </p:sp>
+      <p:sp>
+        <p:nvSpPr>
+          <p:cNvPr id="5" name="ZoneTexte 4">
+            <a:extLst>
+              <a:ext uri="{FF2B5EF4-FFF2-40B4-BE49-F238E27FC236}">
+                <a16:creationId xmlns:a16="http://schemas.microsoft.com/office/drawing/2014/main" id="{0513B4E3-0248-F194-5B93-CFFD19498B1D}"/>
+              </a:ext>
+            </a:extLst>
+          </p:cNvPr>
+          <p:cNvSpPr txBox="1"/>
+          <p:nvPr/>
+        </p:nvSpPr>
+        <p:spPr>
+          <a:xfrm>
+            <a:off x="1949669" y="748186"/>
+            <a:ext cx="8739352" cy="1107996"/>
+          </a:xfrm>
+          <a:prstGeom prst="rect">
+            <a:avLst/>
+          </a:prstGeom>
+          <a:noFill/>
+        </p:spPr>
+        <p:txBody>
+          <a:bodyPr wrap="square" rtlCol="0">
+            <a:spAutoFit/>
+          </a:bodyPr>
+          <a:lstStyle/>
+          <a:p>
+            <a:r>
+              <a:rPr lang="fr-FR" sz="1200" dirty="0"/>
+              <a:t>Chaque participant a noté l’importance</a:t>
+            </a:r>
+            <a:r>
+              <a:rPr lang="fr-FR" dirty="0"/>
+              <a:t> </a:t>
+            </a:r>
+            <a:r>
+              <a:rPr lang="fr-FR" sz="1200" dirty="0"/>
+              <a:t>de 6 critères chez un partenaire potentiel à 4 moments différents:</a:t>
+            </a:r>
+          </a:p>
+          <a:p>
+            <a:pPr marL="1200150" lvl="2" indent="-285750">
+              <a:buFont typeface="Arial" panose="020B0604020202020204" pitchFamily="34" charset="0"/>
+              <a:buChar char="•"/>
+            </a:pPr>
+            <a:r>
+              <a:rPr lang="fr-FR" sz="1200" dirty="0"/>
+              <a:t>Avant le speed-dating</a:t>
+            </a:r>
+          </a:p>
+          <a:p>
+            <a:pPr marL="1200150" lvl="2" indent="-285750">
+              <a:buFont typeface="Arial" panose="020B0604020202020204" pitchFamily="34" charset="0"/>
+              <a:buChar char="•"/>
+            </a:pPr>
+            <a:r>
+              <a:rPr lang="fr-FR" sz="1200" dirty="0"/>
+              <a:t>Pendant le speed-dating</a:t>
+            </a:r>
+          </a:p>
+          <a:p>
+            <a:pPr marL="1200150" lvl="2" indent="-285750">
+              <a:buFont typeface="Arial" panose="020B0604020202020204" pitchFamily="34" charset="0"/>
+              <a:buChar char="•"/>
+            </a:pPr>
+            <a:r>
+              <a:rPr lang="fr-FR" sz="1200" dirty="0"/>
+              <a:t>Au lendemain du speed-dating</a:t>
+            </a:r>
+          </a:p>
+          <a:p>
+            <a:pPr marL="1200150" lvl="2" indent="-285750">
+              <a:buFont typeface="Arial" panose="020B0604020202020204" pitchFamily="34" charset="0"/>
+              <a:buChar char="•"/>
+            </a:pPr>
+            <a:r>
+              <a:rPr lang="fr-FR" sz="1200" dirty="0"/>
+              <a:t>3 à 4 semaines après le speed-dating</a:t>
+            </a:r>
+          </a:p>
+        </p:txBody>
+      </p:sp>
+      <p:pic>
+        <p:nvPicPr>
+          <p:cNvPr id="10" name="Image 9" descr="Une image contenant texte, Police, capture d’écran, blanc&#10;&#10;Le contenu généré par l’IA peut être incorrect.">
+            <a:extLst>
+              <a:ext uri="{FF2B5EF4-FFF2-40B4-BE49-F238E27FC236}">
+                <a16:creationId xmlns:a16="http://schemas.microsoft.com/office/drawing/2014/main" id="{4A2F7265-193F-D4AC-5767-52AA8164F046}"/>
+              </a:ext>
+            </a:extLst>
+          </p:cNvPr>
+          <p:cNvPicPr>
+            <a:picLocks noChangeAspect="1"/>
+          </p:cNvPicPr>
+          <p:nvPr/>
+        </p:nvPicPr>
+        <p:blipFill>
+          <a:blip r:embed="rId4"/>
+          <a:stretch>
+            <a:fillRect/>
+          </a:stretch>
+        </p:blipFill>
+        <p:spPr>
+          <a:xfrm>
+            <a:off x="8921967" y="1038497"/>
+            <a:ext cx="1399629" cy="731464"/>
+          </a:xfrm>
+          <a:prstGeom prst="rect">
+            <a:avLst/>
+          </a:prstGeom>
+        </p:spPr>
+      </p:pic>
     </p:spTree>
     <p:extLst>
       <p:ext uri="{BB962C8B-B14F-4D97-AF65-F5344CB8AC3E}">
@@ -6218,8 +6493,8 @@
         </p:nvSpPr>
         <p:spPr>
           <a:xfrm>
-            <a:off x="216628" y="0"/>
-            <a:ext cx="11527386" cy="646331"/>
+            <a:off x="1707930" y="0"/>
+            <a:ext cx="10036083" cy="923330"/>
           </a:xfrm>
           <a:prstGeom prst="rect">
             <a:avLst/>
@@ -6227,7 +6502,7 @@
           <a:noFill/>
         </p:spPr>
         <p:txBody>
-          <a:bodyPr wrap="none" rtlCol="0">
+          <a:bodyPr wrap="square" rtlCol="0">
             <a:spAutoFit/>
           </a:bodyPr>
           <a:lstStyle/>
@@ -6243,12 +6518,47 @@
           </a:p>
         </p:txBody>
       </p:sp>
+      <p:sp>
+        <p:nvSpPr>
+          <p:cNvPr id="8" name="ZoneTexte 7">
+            <a:extLst>
+              <a:ext uri="{FF2B5EF4-FFF2-40B4-BE49-F238E27FC236}">
+                <a16:creationId xmlns:a16="http://schemas.microsoft.com/office/drawing/2014/main" id="{CF3DCFE7-C65D-0C65-24CE-649A06D654FA}"/>
+              </a:ext>
+            </a:extLst>
+          </p:cNvPr>
+          <p:cNvSpPr txBox="1"/>
+          <p:nvPr/>
+        </p:nvSpPr>
+        <p:spPr>
+          <a:xfrm>
+            <a:off x="2065282" y="817719"/>
+            <a:ext cx="6038193" cy="276999"/>
+          </a:xfrm>
+          <a:prstGeom prst="rect">
+            <a:avLst/>
+          </a:prstGeom>
+          <a:noFill/>
+        </p:spPr>
+        <p:txBody>
+          <a:bodyPr wrap="square" rtlCol="0">
+            <a:spAutoFit/>
+          </a:bodyPr>
+          <a:lstStyle/>
+          <a:p>
+            <a:r>
+              <a:rPr lang="fr-FR" sz="1200" dirty="0"/>
+              <a:t>Il a été demandé à chaque participant de s’auto-évaluer avant et après le speed-dating</a:t>
+            </a:r>
+          </a:p>
+        </p:txBody>
+      </p:sp>
       <p:grpSp>
         <p:nvGrpSpPr>
-          <p:cNvPr id="12" name="Groupe 11">
-            <a:extLst>
-              <a:ext uri="{FF2B5EF4-FFF2-40B4-BE49-F238E27FC236}">
-                <a16:creationId xmlns:a16="http://schemas.microsoft.com/office/drawing/2014/main" id="{E4C68BC9-EDBF-19E3-9EF6-E880900FEDDC}"/>
+          <p:cNvPr id="13" name="Groupe 12">
+            <a:extLst>
+              <a:ext uri="{FF2B5EF4-FFF2-40B4-BE49-F238E27FC236}">
+                <a16:creationId xmlns:a16="http://schemas.microsoft.com/office/drawing/2014/main" id="{A416652E-A76B-9153-24A9-20E61EDFFDDB}"/>
               </a:ext>
             </a:extLst>
           </p:cNvPr>
@@ -6257,10 +6567,10 @@
         </p:nvGrpSpPr>
         <p:grpSpPr>
           <a:xfrm>
-            <a:off x="3488265" y="307856"/>
-            <a:ext cx="6475542" cy="6550143"/>
-            <a:chOff x="2568609" y="418216"/>
-            <a:chExt cx="5819818" cy="5690933"/>
+            <a:off x="107767" y="2420471"/>
+            <a:ext cx="11887010" cy="3898059"/>
+            <a:chOff x="398223" y="2065904"/>
+            <a:chExt cx="10784352" cy="3284437"/>
           </a:xfrm>
         </p:grpSpPr>
         <p:pic>
@@ -6285,8 +6595,8 @@
           </p:blipFill>
           <p:spPr>
             <a:xfrm>
-              <a:off x="2568609" y="418216"/>
-              <a:ext cx="4743485" cy="2800370"/>
+              <a:off x="398223" y="2065904"/>
+              <a:ext cx="5277938" cy="3223166"/>
             </a:xfrm>
             <a:prstGeom prst="rect">
               <a:avLst/>
@@ -6295,10 +6605,10 @@
         </p:pic>
         <p:pic>
           <p:nvPicPr>
-            <p:cNvPr id="9" name="Image 8" descr="Une image contenant texte, capture d’écran, Tracé, diagramme&#10;&#10;Le contenu généré par l’IA peut être incorrect.">
+            <p:cNvPr id="11" name="Image 10" descr="Une image contenant texte, capture d’écran, ligne, Caractère coloré&#10;&#10;Le contenu généré par l’IA peut être incorrect.">
               <a:extLst>
                 <a:ext uri="{FF2B5EF4-FFF2-40B4-BE49-F238E27FC236}">
-                  <a16:creationId xmlns:a16="http://schemas.microsoft.com/office/drawing/2014/main" id="{A5BA9F2F-06C8-3D54-9434-B4F06F75C2DF}"/>
+                  <a16:creationId xmlns:a16="http://schemas.microsoft.com/office/drawing/2014/main" id="{9042A79F-F3F8-14D2-F762-89FB48F4A56B}"/>
                 </a:ext>
               </a:extLst>
             </p:cNvPr>
@@ -6315,8 +6625,8 @@
           </p:blipFill>
           <p:spPr>
             <a:xfrm>
-              <a:off x="2568609" y="3337354"/>
-              <a:ext cx="5819818" cy="2771795"/>
+              <a:off x="5567247" y="2065904"/>
+              <a:ext cx="5615328" cy="3284437"/>
             </a:xfrm>
             <a:prstGeom prst="rect">
               <a:avLst/>
@@ -6324,6 +6634,36 @@
           </p:spPr>
         </p:pic>
       </p:grpSp>
+      <p:pic>
+        <p:nvPicPr>
+          <p:cNvPr id="15" name="Image 14" descr="Une image contenant texte, Police, blanc, capture d’écran&#10;&#10;Le contenu généré par l’IA peut être incorrect.">
+            <a:extLst>
+              <a:ext uri="{FF2B5EF4-FFF2-40B4-BE49-F238E27FC236}">
+                <a16:creationId xmlns:a16="http://schemas.microsoft.com/office/drawing/2014/main" id="{8727DDE9-9649-999A-7786-61E363CFD1DD}"/>
+              </a:ext>
+            </a:extLst>
+          </p:cNvPr>
+          <p:cNvPicPr>
+            <a:picLocks noChangeAspect="1"/>
+          </p:cNvPicPr>
+          <p:nvPr/>
+        </p:nvPicPr>
+        <p:blipFill>
+          <a:blip r:embed="rId4"/>
+          <a:stretch>
+            <a:fillRect/>
+          </a:stretch>
+        </p:blipFill>
+        <p:spPr>
+          <a:xfrm>
+            <a:off x="5410393" y="1305442"/>
+            <a:ext cx="1371214" cy="871213"/>
+          </a:xfrm>
+          <a:prstGeom prst="rect">
+            <a:avLst/>
+          </a:prstGeom>
+        </p:spPr>
+      </p:pic>
     </p:spTree>
     <p:extLst>
       <p:ext uri="{BB962C8B-B14F-4D97-AF65-F5344CB8AC3E}">

--- a/speed_dating.pptx
+++ b/speed_dating.pptx
@@ -5,21 +5,19 @@
     <p:sldMasterId id="2147483648" r:id="rId1"/>
   </p:sldMasterIdLst>
   <p:notesMasterIdLst>
-    <p:notesMasterId r:id="rId14"/>
+    <p:notesMasterId r:id="rId12"/>
   </p:notesMasterIdLst>
   <p:sldIdLst>
     <p:sldId id="256" r:id="rId2"/>
     <p:sldId id="261" r:id="rId3"/>
     <p:sldId id="257" r:id="rId4"/>
     <p:sldId id="260" r:id="rId5"/>
-    <p:sldId id="259" r:id="rId6"/>
-    <p:sldId id="258" r:id="rId7"/>
-    <p:sldId id="262" r:id="rId8"/>
-    <p:sldId id="263" r:id="rId9"/>
-    <p:sldId id="264" r:id="rId10"/>
-    <p:sldId id="265" r:id="rId11"/>
-    <p:sldId id="266" r:id="rId12"/>
-    <p:sldId id="267" r:id="rId13"/>
+    <p:sldId id="258" r:id="rId6"/>
+    <p:sldId id="262" r:id="rId7"/>
+    <p:sldId id="263" r:id="rId8"/>
+    <p:sldId id="264" r:id="rId9"/>
+    <p:sldId id="265" r:id="rId10"/>
+    <p:sldId id="267" r:id="rId11"/>
   </p:sldIdLst>
   <p:sldSz cx="12192000" cy="6858000"/>
   <p:notesSz cx="6858000" cy="9144000"/>
@@ -208,7 +206,7 @@
           <a:p>
             <a:fld id="{6BE93D47-2100-4520-A674-42720C878824}" type="datetimeFigureOut">
               <a:rPr lang="fr-FR" smtClean="0"/>
-              <a:t>04/01/2026</a:t>
+              <a:t>07/01/2026</a:t>
             </a:fld>
             <a:endParaRPr lang="fr-FR"/>
           </a:p>
@@ -622,7 +620,7 @@
           <a:p>
             <a:fld id="{C990D2F3-07B2-4556-8EEA-239F868A8816}" type="datetime1">
               <a:rPr lang="fr-FR" smtClean="0"/>
-              <a:t>04/01/2026</a:t>
+              <a:t>07/01/2026</a:t>
             </a:fld>
             <a:endParaRPr lang="fr-FR"/>
           </a:p>
@@ -820,7 +818,7 @@
           <a:p>
             <a:fld id="{05420883-C1CF-45DB-8E21-27E9BFE30BA5}" type="datetime1">
               <a:rPr lang="fr-FR" smtClean="0"/>
-              <a:t>04/01/2026</a:t>
+              <a:t>07/01/2026</a:t>
             </a:fld>
             <a:endParaRPr lang="fr-FR"/>
           </a:p>
@@ -1028,7 +1026,7 @@
           <a:p>
             <a:fld id="{8BCD79BF-A261-454E-886D-ACA8EFF7026B}" type="datetime1">
               <a:rPr lang="fr-FR" smtClean="0"/>
-              <a:t>04/01/2026</a:t>
+              <a:t>07/01/2026</a:t>
             </a:fld>
             <a:endParaRPr lang="fr-FR"/>
           </a:p>
@@ -1226,7 +1224,7 @@
           <a:p>
             <a:fld id="{9B3ED75C-5995-486D-AEC2-3458EE0A8C85}" type="datetime1">
               <a:rPr lang="fr-FR" smtClean="0"/>
-              <a:t>04/01/2026</a:t>
+              <a:t>07/01/2026</a:t>
             </a:fld>
             <a:endParaRPr lang="fr-FR"/>
           </a:p>
@@ -1501,7 +1499,7 @@
           <a:p>
             <a:fld id="{25F812E0-011E-482D-9770-26F1A780EAD8}" type="datetime1">
               <a:rPr lang="fr-FR" smtClean="0"/>
-              <a:t>04/01/2026</a:t>
+              <a:t>07/01/2026</a:t>
             </a:fld>
             <a:endParaRPr lang="fr-FR"/>
           </a:p>
@@ -1766,7 +1764,7 @@
           <a:p>
             <a:fld id="{F303FC8A-FDB1-4451-9329-43DBB912A256}" type="datetime1">
               <a:rPr lang="fr-FR" smtClean="0"/>
-              <a:t>04/01/2026</a:t>
+              <a:t>07/01/2026</a:t>
             </a:fld>
             <a:endParaRPr lang="fr-FR"/>
           </a:p>
@@ -2178,7 +2176,7 @@
           <a:p>
             <a:fld id="{855938DB-53C5-499F-9E77-C4A6BFB6D7B0}" type="datetime1">
               <a:rPr lang="fr-FR" smtClean="0"/>
-              <a:t>04/01/2026</a:t>
+              <a:t>07/01/2026</a:t>
             </a:fld>
             <a:endParaRPr lang="fr-FR"/>
           </a:p>
@@ -2319,7 +2317,7 @@
           <a:p>
             <a:fld id="{5664754B-8D12-4F7B-B7B2-BE9501C2BF0C}" type="datetime1">
               <a:rPr lang="fr-FR" smtClean="0"/>
-              <a:t>04/01/2026</a:t>
+              <a:t>07/01/2026</a:t>
             </a:fld>
             <a:endParaRPr lang="fr-FR"/>
           </a:p>
@@ -2432,7 +2430,7 @@
           <a:p>
             <a:fld id="{A2D601FE-0B10-4357-8A94-ED43ECC61E73}" type="datetime1">
               <a:rPr lang="fr-FR" smtClean="0"/>
-              <a:t>04/01/2026</a:t>
+              <a:t>07/01/2026</a:t>
             </a:fld>
             <a:endParaRPr lang="fr-FR"/>
           </a:p>
@@ -2743,7 +2741,7 @@
           <a:p>
             <a:fld id="{4A15B53D-237A-4F39-87AD-DBFD4AA32F74}" type="datetime1">
               <a:rPr lang="fr-FR" smtClean="0"/>
-              <a:t>04/01/2026</a:t>
+              <a:t>07/01/2026</a:t>
             </a:fld>
             <a:endParaRPr lang="fr-FR"/>
           </a:p>
@@ -3031,7 +3029,7 @@
           <a:p>
             <a:fld id="{F16A35C9-E3D3-49A9-95FC-FD5ECA9EB791}" type="datetime1">
               <a:rPr lang="fr-FR" smtClean="0"/>
-              <a:t>04/01/2026</a:t>
+              <a:t>07/01/2026</a:t>
             </a:fld>
             <a:endParaRPr lang="fr-FR"/>
           </a:p>
@@ -3272,7 +3270,7 @@
           <a:p>
             <a:fld id="{96C75ECC-67CD-476B-B935-1BA4B425F864}" type="datetime1">
               <a:rPr lang="fr-FR" smtClean="0"/>
-              <a:t>04/01/2026</a:t>
+              <a:t>07/01/2026</a:t>
             </a:fld>
             <a:endParaRPr lang="fr-FR"/>
           </a:p>
@@ -4064,758 +4062,6 @@
         <p:cNvPr id="1" name="">
           <a:extLst>
             <a:ext uri="{FF2B5EF4-FFF2-40B4-BE49-F238E27FC236}">
-              <a16:creationId xmlns:a16="http://schemas.microsoft.com/office/drawing/2014/main" id="{423951F4-DC5E-9208-15BC-DAFBD609E25B}"/>
-            </a:ext>
-          </a:extLst>
-        </p:cNvPr>
-        <p:cNvGrpSpPr/>
-        <p:nvPr/>
-      </p:nvGrpSpPr>
-      <p:grpSpPr>
-        <a:xfrm>
-          <a:off x="0" y="0"/>
-          <a:ext cx="0" cy="0"/>
-          <a:chOff x="0" y="0"/>
-          <a:chExt cx="0" cy="0"/>
-        </a:xfrm>
-      </p:grpSpPr>
-      <p:pic>
-        <p:nvPicPr>
-          <p:cNvPr id="10" name="Image 9" descr="Une image contenant texte, capture d’écran, diagramme, cercle&#10;&#10;Le contenu généré par l’IA peut être incorrect.">
-            <a:extLst>
-              <a:ext uri="{FF2B5EF4-FFF2-40B4-BE49-F238E27FC236}">
-                <a16:creationId xmlns:a16="http://schemas.microsoft.com/office/drawing/2014/main" id="{8D1705BF-A249-6B2A-92A3-3346B01A92E0}"/>
-              </a:ext>
-            </a:extLst>
-          </p:cNvPr>
-          <p:cNvPicPr>
-            <a:picLocks noChangeAspect="1"/>
-          </p:cNvPicPr>
-          <p:nvPr/>
-        </p:nvPicPr>
-        <p:blipFill>
-          <a:blip r:embed="rId2"/>
-          <a:stretch>
-            <a:fillRect/>
-          </a:stretch>
-        </p:blipFill>
-        <p:spPr>
-          <a:xfrm>
-            <a:off x="7320455" y="3598132"/>
-            <a:ext cx="4072760" cy="3210800"/>
-          </a:xfrm>
-          <a:prstGeom prst="rect">
-            <a:avLst/>
-          </a:prstGeom>
-        </p:spPr>
-      </p:pic>
-      <p:pic>
-        <p:nvPicPr>
-          <p:cNvPr id="6" name="Image 5" descr="Une image contenant texte, capture d’écran, diagramme, Police&#10;&#10;Le contenu généré par l’IA peut être incorrect.">
-            <a:extLst>
-              <a:ext uri="{FF2B5EF4-FFF2-40B4-BE49-F238E27FC236}">
-                <a16:creationId xmlns:a16="http://schemas.microsoft.com/office/drawing/2014/main" id="{B12E0153-BFCE-8561-DC8A-4BD560C16A55}"/>
-              </a:ext>
-            </a:extLst>
-          </p:cNvPr>
-          <p:cNvPicPr>
-            <a:picLocks noChangeAspect="1"/>
-          </p:cNvPicPr>
-          <p:nvPr/>
-        </p:nvPicPr>
-        <p:blipFill>
-          <a:blip r:embed="rId3"/>
-          <a:stretch>
-            <a:fillRect/>
-          </a:stretch>
-        </p:blipFill>
-        <p:spPr>
-          <a:xfrm>
-            <a:off x="6760033" y="361106"/>
-            <a:ext cx="5163743" cy="3127134"/>
-          </a:xfrm>
-          <a:prstGeom prst="rect">
-            <a:avLst/>
-          </a:prstGeom>
-        </p:spPr>
-      </p:pic>
-      <p:sp>
-        <p:nvSpPr>
-          <p:cNvPr id="2" name="Rectangle 1">
-            <a:extLst>
-              <a:ext uri="{FF2B5EF4-FFF2-40B4-BE49-F238E27FC236}">
-                <a16:creationId xmlns:a16="http://schemas.microsoft.com/office/drawing/2014/main" id="{CB5F32FA-A1D3-4793-146A-F36170201CF6}"/>
-              </a:ext>
-            </a:extLst>
-          </p:cNvPr>
-          <p:cNvSpPr/>
-          <p:nvPr/>
-        </p:nvSpPr>
-        <p:spPr>
-          <a:xfrm>
-            <a:off x="0" y="0"/>
-            <a:ext cx="1707931" cy="6858000"/>
-          </a:xfrm>
-          <a:prstGeom prst="rect">
-            <a:avLst/>
-          </a:prstGeom>
-          <a:solidFill>
-            <a:srgbClr val="F3D6DF"/>
-          </a:solidFill>
-        </p:spPr>
-        <p:style>
-          <a:lnRef idx="2">
-            <a:schemeClr val="accent1">
-              <a:shade val="15000"/>
-            </a:schemeClr>
-          </a:lnRef>
-          <a:fillRef idx="1">
-            <a:schemeClr val="accent1"/>
-          </a:fillRef>
-          <a:effectRef idx="0">
-            <a:schemeClr val="accent1"/>
-          </a:effectRef>
-          <a:fontRef idx="minor">
-            <a:schemeClr val="lt1"/>
-          </a:fontRef>
-        </p:style>
-        <p:txBody>
-          <a:bodyPr rtlCol="0" anchor="ctr"/>
-          <a:lstStyle/>
-          <a:p>
-            <a:pPr algn="ctr"/>
-            <a:endParaRPr lang="fr-FR"/>
-          </a:p>
-        </p:txBody>
-      </p:sp>
-      <p:sp>
-        <p:nvSpPr>
-          <p:cNvPr id="3" name="Espace réservé du numéro de diapositive 2">
-            <a:extLst>
-              <a:ext uri="{FF2B5EF4-FFF2-40B4-BE49-F238E27FC236}">
-                <a16:creationId xmlns:a16="http://schemas.microsoft.com/office/drawing/2014/main" id="{DF30E595-8E9B-0A18-B441-86C9E9C96834}"/>
-              </a:ext>
-            </a:extLst>
-          </p:cNvPr>
-          <p:cNvSpPr>
-            <a:spLocks noGrp="1"/>
-          </p:cNvSpPr>
-          <p:nvPr>
-            <p:ph type="sldNum" sz="quarter" idx="12"/>
-          </p:nvPr>
-        </p:nvSpPr>
-        <p:spPr/>
-        <p:txBody>
-          <a:bodyPr/>
-          <a:lstStyle/>
-          <a:p>
-            <a:fld id="{86FD7C0E-B5E2-46F8-8369-32F2BC9FE565}" type="slidenum">
-              <a:rPr lang="fr-FR" smtClean="0"/>
-              <a:t>10</a:t>
-            </a:fld>
-            <a:endParaRPr lang="fr-FR"/>
-          </a:p>
-        </p:txBody>
-      </p:sp>
-      <p:sp>
-        <p:nvSpPr>
-          <p:cNvPr id="4" name="ZoneTexte 3">
-            <a:extLst>
-              <a:ext uri="{FF2B5EF4-FFF2-40B4-BE49-F238E27FC236}">
-                <a16:creationId xmlns:a16="http://schemas.microsoft.com/office/drawing/2014/main" id="{C294248F-52C3-715F-7FFE-D7B5F4C2C048}"/>
-              </a:ext>
-            </a:extLst>
-          </p:cNvPr>
-          <p:cNvSpPr txBox="1"/>
-          <p:nvPr/>
-        </p:nvSpPr>
-        <p:spPr>
-          <a:xfrm>
-            <a:off x="1783080" y="0"/>
-            <a:ext cx="10140696" cy="646331"/>
-          </a:xfrm>
-          <a:prstGeom prst="rect">
-            <a:avLst/>
-          </a:prstGeom>
-          <a:noFill/>
-        </p:spPr>
-        <p:txBody>
-          <a:bodyPr wrap="square" rtlCol="0">
-            <a:spAutoFit/>
-          </a:bodyPr>
-          <a:lstStyle/>
-          <a:p>
-            <a:r>
-              <a:rPr lang="fr-FR" b="1" dirty="0"/>
-              <a:t>Axe d'analyse n°5: Est ce que le fait d'avoir un match a une incidence sur le fait d'avoir un rendez-vous?</a:t>
-            </a:r>
-            <a:endParaRPr lang="fr-FR" dirty="0"/>
-          </a:p>
-          <a:p>
-            <a:endParaRPr lang="fr-FR" dirty="0"/>
-          </a:p>
-        </p:txBody>
-      </p:sp>
-      <p:sp>
-        <p:nvSpPr>
-          <p:cNvPr id="11" name="ZoneTexte 10">
-            <a:extLst>
-              <a:ext uri="{FF2B5EF4-FFF2-40B4-BE49-F238E27FC236}">
-                <a16:creationId xmlns:a16="http://schemas.microsoft.com/office/drawing/2014/main" id="{578DB7B8-BCF8-0D8A-D3D8-24325158A5EE}"/>
-              </a:ext>
-            </a:extLst>
-          </p:cNvPr>
-          <p:cNvSpPr txBox="1"/>
-          <p:nvPr/>
-        </p:nvSpPr>
-        <p:spPr>
-          <a:xfrm>
-            <a:off x="0" y="489959"/>
-            <a:ext cx="7665720" cy="3693319"/>
-          </a:xfrm>
-          <a:prstGeom prst="rect">
-            <a:avLst/>
-          </a:prstGeom>
-          <a:noFill/>
-        </p:spPr>
-        <p:txBody>
-          <a:bodyPr wrap="square" rtlCol="0">
-            <a:spAutoFit/>
-          </a:bodyPr>
-          <a:lstStyle/>
-          <a:p>
-            <a:r>
-              <a:rPr lang="fr-FR" sz="1200" b="1" dirty="0"/>
-              <a:t>16,5% des participants (soit 8,25 % des rencontres) </a:t>
-            </a:r>
-            <a:r>
-              <a:rPr lang="fr-FR" sz="1200" dirty="0"/>
-              <a:t>ont obtenu un match.</a:t>
-            </a:r>
-          </a:p>
-          <a:p>
-            <a:endParaRPr lang="fr-FR" sz="1200" dirty="0"/>
-          </a:p>
-          <a:p>
-            <a:r>
-              <a:rPr lang="fr-FR" sz="1200" dirty="0"/>
-              <a:t>Parmi eux, 51,1% ont eu un premier rendez-vous.</a:t>
-            </a:r>
-          </a:p>
-          <a:p>
-            <a:r>
-              <a:rPr lang="fr-FR" sz="1200" dirty="0"/>
-              <a:t>Parmi ceux sans match, 34,8% ont tout de même eu un rendez-vous.</a:t>
-            </a:r>
-          </a:p>
-          <a:p>
-            <a:br>
-              <a:rPr lang="fr-FR" sz="1200" dirty="0"/>
-            </a:br>
-            <a:r>
-              <a:rPr lang="fr-FR" sz="1200" b="1" dirty="0"/>
-              <a:t>→ Constat</a:t>
-            </a:r>
-          </a:p>
-          <a:p>
-            <a:r>
-              <a:rPr lang="fr-FR" sz="1200" dirty="0"/>
-              <a:t>Bien qu’un match doive théoriquement favoriser les rendez-vous, l’écart observé (51,1 % vs 34,8 %) reste moins marqué qu’attendu.</a:t>
-            </a:r>
-          </a:p>
-          <a:p>
-            <a:endParaRPr lang="fr-FR" sz="1200" b="1" dirty="0"/>
-          </a:p>
-          <a:p>
-            <a:r>
-              <a:rPr lang="fr-FR" sz="1200" b="1" dirty="0"/>
-              <a:t>→ Questionnement</a:t>
-            </a:r>
-          </a:p>
-          <a:p>
-            <a:r>
-              <a:rPr lang="fr-FR" sz="1200" dirty="0"/>
-              <a:t>Incohérence possible : Les participants sans match ne devraient pas pouvoir se rencontrer ultérieurement.</a:t>
-            </a:r>
-          </a:p>
-          <a:p>
-            <a:r>
-              <a:rPr lang="fr-FR" sz="1200" dirty="0"/>
-              <a:t>Hypothèse alternative : Possibilité de "matchs a posteriori" non documentés.</a:t>
-            </a:r>
-          </a:p>
-          <a:p>
-            <a:endParaRPr lang="fr-FR" sz="1200" dirty="0"/>
-          </a:p>
-          <a:p>
-            <a:r>
-              <a:rPr lang="fr-FR" sz="1200" b="1" dirty="0"/>
-              <a:t>→ À retenir</a:t>
-            </a:r>
-          </a:p>
-          <a:p>
-            <a:r>
-              <a:rPr lang="fr-FR" sz="1200" dirty="0"/>
-              <a:t>L’impact d’un match sur l’obtention d’un rendez-vous est moins net que prévu, soulignant un doute sur la qualité ou la cohérence des données.</a:t>
-            </a:r>
-          </a:p>
-          <a:p>
-            <a:br>
-              <a:rPr lang="fr-FR" sz="1400" dirty="0"/>
-            </a:br>
-            <a:endParaRPr lang="fr-FR" sz="1400" dirty="0"/>
-          </a:p>
-          <a:p>
-            <a:endParaRPr lang="fr-FR" sz="1400" dirty="0"/>
-          </a:p>
-        </p:txBody>
-      </p:sp>
-      <p:pic>
-        <p:nvPicPr>
-          <p:cNvPr id="13" name="Image 12" descr="Une image contenant texte, capture d’écran, diagramme, cercle&#10;&#10;Le contenu généré par l’IA peut être incorrect.">
-            <a:extLst>
-              <a:ext uri="{FF2B5EF4-FFF2-40B4-BE49-F238E27FC236}">
-                <a16:creationId xmlns:a16="http://schemas.microsoft.com/office/drawing/2014/main" id="{6CA9983F-BD7B-F473-F3B9-3AB21AD4C75C}"/>
-              </a:ext>
-            </a:extLst>
-          </p:cNvPr>
-          <p:cNvPicPr>
-            <a:picLocks noChangeAspect="1"/>
-          </p:cNvPicPr>
-          <p:nvPr/>
-        </p:nvPicPr>
-        <p:blipFill>
-          <a:blip r:embed="rId4"/>
-          <a:stretch>
-            <a:fillRect/>
-          </a:stretch>
-        </p:blipFill>
-        <p:spPr>
-          <a:xfrm>
-            <a:off x="1889608" y="3603448"/>
-            <a:ext cx="4502538" cy="3044573"/>
-          </a:xfrm>
-          <a:prstGeom prst="rect">
-            <a:avLst/>
-          </a:prstGeom>
-        </p:spPr>
-      </p:pic>
-    </p:spTree>
-    <p:extLst>
-      <p:ext uri="{BB962C8B-B14F-4D97-AF65-F5344CB8AC3E}">
-        <p14:creationId xmlns:p14="http://schemas.microsoft.com/office/powerpoint/2010/main" val="802247348"/>
-      </p:ext>
-    </p:extLst>
-  </p:cSld>
-  <p:clrMapOvr>
-    <a:masterClrMapping/>
-  </p:clrMapOvr>
-</p:sld>
-</file>
-
-<file path=ppt/slides/slide11.xml><?xml version="1.0" encoding="utf-8"?>
-<p:sld xmlns:a="http://schemas.openxmlformats.org/drawingml/2006/main" xmlns:r="http://schemas.openxmlformats.org/officeDocument/2006/relationships" xmlns:p="http://schemas.openxmlformats.org/presentationml/2006/main">
-  <p:cSld>
-    <p:spTree>
-      <p:nvGrpSpPr>
-        <p:cNvPr id="1" name="">
-          <a:extLst>
-            <a:ext uri="{FF2B5EF4-FFF2-40B4-BE49-F238E27FC236}">
-              <a16:creationId xmlns:a16="http://schemas.microsoft.com/office/drawing/2014/main" id="{C7376578-B740-A51F-BA54-F7B693E51165}"/>
-            </a:ext>
-          </a:extLst>
-        </p:cNvPr>
-        <p:cNvGrpSpPr/>
-        <p:nvPr/>
-      </p:nvGrpSpPr>
-      <p:grpSpPr>
-        <a:xfrm>
-          <a:off x="0" y="0"/>
-          <a:ext cx="0" cy="0"/>
-          <a:chOff x="0" y="0"/>
-          <a:chExt cx="0" cy="0"/>
-        </a:xfrm>
-      </p:grpSpPr>
-      <p:sp>
-        <p:nvSpPr>
-          <p:cNvPr id="2" name="Rectangle 1">
-            <a:extLst>
-              <a:ext uri="{FF2B5EF4-FFF2-40B4-BE49-F238E27FC236}">
-                <a16:creationId xmlns:a16="http://schemas.microsoft.com/office/drawing/2014/main" id="{2AA2A9C2-5B36-F1BA-D24F-B0A19FAE6544}"/>
-              </a:ext>
-            </a:extLst>
-          </p:cNvPr>
-          <p:cNvSpPr/>
-          <p:nvPr/>
-        </p:nvSpPr>
-        <p:spPr>
-          <a:xfrm>
-            <a:off x="0" y="0"/>
-            <a:ext cx="1707931" cy="6858000"/>
-          </a:xfrm>
-          <a:prstGeom prst="rect">
-            <a:avLst/>
-          </a:prstGeom>
-          <a:solidFill>
-            <a:srgbClr val="F3D6DF"/>
-          </a:solidFill>
-        </p:spPr>
-        <p:style>
-          <a:lnRef idx="2">
-            <a:schemeClr val="accent1">
-              <a:shade val="15000"/>
-            </a:schemeClr>
-          </a:lnRef>
-          <a:fillRef idx="1">
-            <a:schemeClr val="accent1"/>
-          </a:fillRef>
-          <a:effectRef idx="0">
-            <a:schemeClr val="accent1"/>
-          </a:effectRef>
-          <a:fontRef idx="minor">
-            <a:schemeClr val="lt1"/>
-          </a:fontRef>
-        </p:style>
-        <p:txBody>
-          <a:bodyPr rtlCol="0" anchor="ctr"/>
-          <a:lstStyle/>
-          <a:p>
-            <a:pPr algn="ctr"/>
-            <a:endParaRPr lang="fr-FR"/>
-          </a:p>
-        </p:txBody>
-      </p:sp>
-      <p:sp>
-        <p:nvSpPr>
-          <p:cNvPr id="3" name="Espace réservé du numéro de diapositive 2">
-            <a:extLst>
-              <a:ext uri="{FF2B5EF4-FFF2-40B4-BE49-F238E27FC236}">
-                <a16:creationId xmlns:a16="http://schemas.microsoft.com/office/drawing/2014/main" id="{BCF7E091-CE0E-A746-B28F-3D40F453A5B5}"/>
-              </a:ext>
-            </a:extLst>
-          </p:cNvPr>
-          <p:cNvSpPr>
-            <a:spLocks noGrp="1"/>
-          </p:cNvSpPr>
-          <p:nvPr>
-            <p:ph type="sldNum" sz="quarter" idx="12"/>
-          </p:nvPr>
-        </p:nvSpPr>
-        <p:spPr/>
-        <p:txBody>
-          <a:bodyPr/>
-          <a:lstStyle/>
-          <a:p>
-            <a:fld id="{86FD7C0E-B5E2-46F8-8369-32F2BC9FE565}" type="slidenum">
-              <a:rPr lang="fr-FR" smtClean="0"/>
-              <a:t>11</a:t>
-            </a:fld>
-            <a:endParaRPr lang="fr-FR"/>
-          </a:p>
-        </p:txBody>
-      </p:sp>
-      <p:sp>
-        <p:nvSpPr>
-          <p:cNvPr id="4" name="ZoneTexte 3">
-            <a:extLst>
-              <a:ext uri="{FF2B5EF4-FFF2-40B4-BE49-F238E27FC236}">
-                <a16:creationId xmlns:a16="http://schemas.microsoft.com/office/drawing/2014/main" id="{4DD7D0D6-3798-72DC-AFA3-565395857358}"/>
-              </a:ext>
-            </a:extLst>
-          </p:cNvPr>
-          <p:cNvSpPr txBox="1"/>
-          <p:nvPr/>
-        </p:nvSpPr>
-        <p:spPr>
-          <a:xfrm>
-            <a:off x="661153" y="165834"/>
-            <a:ext cx="11006328" cy="6555641"/>
-          </a:xfrm>
-          <a:prstGeom prst="rect">
-            <a:avLst/>
-          </a:prstGeom>
-          <a:noFill/>
-        </p:spPr>
-        <p:txBody>
-          <a:bodyPr wrap="square" rtlCol="0">
-            <a:spAutoFit/>
-          </a:bodyPr>
-          <a:lstStyle/>
-          <a:p>
-            <a:r>
-              <a:rPr lang="fr-FR" sz="1400" b="1" dirty="0"/>
-              <a:t>Facteurs influençant l’obtention d’un premier rendez-vous</a:t>
-            </a:r>
-          </a:p>
-          <a:p>
-            <a:endParaRPr lang="fr-FR" sz="1400" dirty="0"/>
-          </a:p>
-          <a:p>
-            <a:r>
-              <a:rPr lang="fr-FR" sz="1400" b="1" dirty="0"/>
-              <a:t>→ Conclusion</a:t>
-            </a:r>
-            <a:r>
-              <a:rPr lang="fr-FR" sz="1400" dirty="0"/>
-              <a:t> Les axes analysés </a:t>
-            </a:r>
-            <a:r>
-              <a:rPr lang="fr-FR" sz="1400" b="1" dirty="0"/>
-              <a:t>ne permettent pas d’identifier</a:t>
-            </a:r>
-            <a:r>
-              <a:rPr lang="fr-FR" sz="1400" dirty="0"/>
-              <a:t> les facteurs influençant la décision d’un premier rendez-vous après un speed-dating.</a:t>
-            </a:r>
-          </a:p>
-          <a:p>
-            <a:br>
-              <a:rPr lang="fr-FR" sz="1400" dirty="0"/>
-            </a:br>
-            <a:endParaRPr lang="fr-FR" sz="1400" dirty="0"/>
-          </a:p>
-          <a:p>
-            <a:r>
-              <a:rPr lang="fr-FR" sz="1400" b="1" dirty="0"/>
-              <a:t>Limites de l’analyse et recommandations:</a:t>
-            </a:r>
-          </a:p>
-          <a:p>
-            <a:endParaRPr lang="fr-FR" sz="1400" dirty="0"/>
-          </a:p>
-          <a:p>
-            <a:r>
-              <a:rPr lang="fr-FR" sz="1400" b="1" dirty="0"/>
-              <a:t>Objectif initial:</a:t>
-            </a:r>
-            <a:r>
-              <a:rPr lang="fr-FR" sz="1400" dirty="0"/>
-              <a:t> Aider Tinder à identifier les </a:t>
-            </a:r>
-            <a:r>
-              <a:rPr lang="fr-FR" sz="1400" b="1" dirty="0"/>
-              <a:t>facteurs clés de succès</a:t>
-            </a:r>
-            <a:r>
-              <a:rPr lang="fr-FR" sz="1400" dirty="0"/>
-              <a:t> pour qu’un match sur leur application aboutisse à un premier rendez-vous, voire à une relation durable. L’objectif était de construire un </a:t>
-            </a:r>
-            <a:r>
-              <a:rPr lang="fr-FR" sz="1400" b="1" dirty="0"/>
-              <a:t>modèle prédictif</a:t>
-            </a:r>
-            <a:r>
-              <a:rPr lang="fr-FR" sz="1400" dirty="0"/>
-              <a:t> mettant en avant les profils les plus susceptibles de plaire aux utilisateurs.</a:t>
-            </a:r>
-          </a:p>
-          <a:p>
-            <a:endParaRPr lang="fr-FR" sz="1400" b="1" dirty="0"/>
-          </a:p>
-          <a:p>
-            <a:r>
-              <a:rPr lang="fr-FR" sz="1400" b="1" dirty="0"/>
-              <a:t>Limites identifiées</a:t>
-            </a:r>
-          </a:p>
-          <a:p>
-            <a:endParaRPr lang="fr-FR" sz="1400" dirty="0"/>
-          </a:p>
-          <a:p>
-            <a:pPr marL="285750" indent="-285750">
-              <a:buFont typeface="Arial" panose="020B0604020202020204" pitchFamily="34" charset="0"/>
-              <a:buChar char="•"/>
-            </a:pPr>
-            <a:r>
-              <a:rPr lang="fr-FR" sz="1400" b="1" dirty="0"/>
-              <a:t>Données insuffisantes</a:t>
-            </a:r>
-            <a:r>
-              <a:rPr lang="fr-FR" sz="1400" dirty="0"/>
-              <a:t> : </a:t>
-            </a:r>
-          </a:p>
-          <a:p>
-            <a:pPr lvl="1"/>
-            <a:r>
-              <a:rPr lang="fr-FR" sz="1400" b="1" dirty="0"/>
-              <a:t>Volumétrie faible</a:t>
-            </a:r>
-            <a:r>
-              <a:rPr lang="fr-FR" sz="1400" dirty="0"/>
-              <a:t> (551 participants seulement).</a:t>
-            </a:r>
-          </a:p>
-          <a:p>
-            <a:pPr lvl="1"/>
-            <a:r>
-              <a:rPr lang="fr-FR" sz="1400" b="1" dirty="0"/>
-              <a:t>Données obsolètes</a:t>
-            </a:r>
-            <a:r>
-              <a:rPr lang="fr-FR" sz="1400" dirty="0"/>
-              <a:t> : Non représentatives des dynamiques actuelles de l’application.</a:t>
-            </a:r>
-          </a:p>
-          <a:p>
-            <a:endParaRPr lang="fr-FR" sz="1400" b="1" dirty="0"/>
-          </a:p>
-          <a:p>
-            <a:pPr marL="285750" indent="-285750">
-              <a:buFont typeface="Arial" panose="020B0604020202020204" pitchFamily="34" charset="0"/>
-              <a:buChar char="•"/>
-            </a:pPr>
-            <a:r>
-              <a:rPr lang="fr-FR" sz="1400" b="1" dirty="0"/>
-              <a:t>Contexte inadapté</a:t>
-            </a:r>
-            <a:r>
-              <a:rPr lang="fr-FR" sz="1400" dirty="0"/>
-              <a:t> : </a:t>
-            </a:r>
-          </a:p>
-          <a:p>
-            <a:pPr lvl="1"/>
-            <a:r>
-              <a:rPr lang="fr-FR" sz="1400" dirty="0"/>
-              <a:t>Les speed-datings impliquent des </a:t>
-            </a:r>
-            <a:r>
-              <a:rPr lang="fr-FR" sz="1400" b="1" dirty="0"/>
-              <a:t>rencontres physiques</a:t>
-            </a:r>
-            <a:r>
-              <a:rPr lang="fr-FR" sz="1400" dirty="0"/>
-              <a:t>, ce qui introduit des critères inconscients (ex: chimie, langage non verbal) </a:t>
-            </a:r>
-            <a:r>
-              <a:rPr lang="fr-FR" sz="1400" b="1" dirty="0"/>
-              <a:t>non reproductibles</a:t>
-            </a:r>
-            <a:r>
-              <a:rPr lang="fr-FR" sz="1400" dirty="0"/>
-              <a:t> dans un environnement digital comme Tinder.</a:t>
-            </a:r>
-          </a:p>
-          <a:p>
-            <a:endParaRPr lang="fr-FR" sz="1400" b="1" dirty="0"/>
-          </a:p>
-          <a:p>
-            <a:pPr marL="285750" indent="-285750">
-              <a:buFont typeface="Arial" panose="020B0604020202020204" pitchFamily="34" charset="0"/>
-              <a:buChar char="•"/>
-            </a:pPr>
-            <a:r>
-              <a:rPr lang="fr-FR" sz="1400" b="1" dirty="0"/>
-              <a:t>Incohérences dans les données</a:t>
-            </a:r>
-            <a:r>
-              <a:rPr lang="fr-FR" sz="1400" dirty="0"/>
-              <a:t> : </a:t>
-            </a:r>
-          </a:p>
-          <a:p>
-            <a:pPr lvl="1"/>
-            <a:r>
-              <a:rPr lang="fr-FR" sz="1400" dirty="0"/>
-              <a:t>Certains participants ont eu un rendez-vous </a:t>
-            </a:r>
-            <a:r>
-              <a:rPr lang="fr-FR" sz="1400" b="1" dirty="0"/>
-              <a:t>sans match préalable</a:t>
-            </a:r>
-            <a:r>
-              <a:rPr lang="fr-FR" sz="1400" dirty="0"/>
-              <a:t>, ce qui remet en question la fiabilité des données.</a:t>
-            </a:r>
-          </a:p>
-          <a:p>
-            <a:endParaRPr lang="fr-FR" sz="1400" b="1" dirty="0"/>
-          </a:p>
-          <a:p>
-            <a:r>
-              <a:rPr lang="fr-FR" sz="1400" b="1" dirty="0"/>
-              <a:t>→ Recommandations pour Tinder</a:t>
-            </a:r>
-            <a:endParaRPr lang="fr-FR" sz="1400" dirty="0"/>
-          </a:p>
-          <a:p>
-            <a:r>
-              <a:rPr lang="fr-FR" sz="1400" b="1" dirty="0"/>
-              <a:t>Utiliser des données plus récentes</a:t>
-            </a:r>
-            <a:r>
-              <a:rPr lang="fr-FR" sz="1400" dirty="0"/>
-              <a:t> pour refléter les tendances actuelles.</a:t>
-            </a:r>
-          </a:p>
-          <a:p>
-            <a:r>
-              <a:rPr lang="fr-FR" sz="1400" b="1" dirty="0"/>
-              <a:t>Augmenter la volumétrie des participants</a:t>
-            </a:r>
-            <a:r>
-              <a:rPr lang="fr-FR" sz="1400" dirty="0"/>
-              <a:t> pour obtenir des résultats statistiquement significatifs.</a:t>
-            </a:r>
-          </a:p>
-          <a:p>
-            <a:r>
-              <a:rPr lang="fr-FR" sz="1400" b="1" dirty="0"/>
-              <a:t>Reproduire les conditions réelles d’utilisation de l’application</a:t>
-            </a:r>
-            <a:r>
-              <a:rPr lang="fr-FR" sz="1400" dirty="0"/>
-              <a:t> (ex: études basées sur des interactions digitales plutôt que des rencontres physiques).</a:t>
-            </a:r>
-          </a:p>
-          <a:p>
-            <a:r>
-              <a:rPr lang="fr-FR" sz="1400" b="1" dirty="0"/>
-              <a:t>Mener des enquêtes qualitatives</a:t>
-            </a:r>
-            <a:r>
-              <a:rPr lang="fr-FR" sz="1400" dirty="0"/>
-              <a:t> auprès des utilisateurs pour identifier : </a:t>
-            </a:r>
-          </a:p>
-          <a:p>
-            <a:pPr lvl="1"/>
-            <a:r>
-              <a:rPr lang="fr-FR" sz="1400" dirty="0"/>
-              <a:t>Les critères recherchés chez un partenaire.</a:t>
-            </a:r>
-          </a:p>
-          <a:p>
-            <a:pPr lvl="1"/>
-            <a:r>
-              <a:rPr lang="fr-FR" sz="1400" dirty="0"/>
-              <a:t>Les éléments rédhibitoires qui empêchent une rencontre après un match.</a:t>
-            </a:r>
-          </a:p>
-        </p:txBody>
-      </p:sp>
-    </p:spTree>
-    <p:extLst>
-      <p:ext uri="{BB962C8B-B14F-4D97-AF65-F5344CB8AC3E}">
-        <p14:creationId xmlns:p14="http://schemas.microsoft.com/office/powerpoint/2010/main" val="1961289304"/>
-      </p:ext>
-    </p:extLst>
-  </p:cSld>
-  <p:clrMapOvr>
-    <a:masterClrMapping/>
-  </p:clrMapOvr>
-</p:sld>
-</file>
-
-<file path=ppt/slides/slide12.xml><?xml version="1.0" encoding="utf-8"?>
-<p:sld xmlns:a="http://schemas.openxmlformats.org/drawingml/2006/main" xmlns:r="http://schemas.openxmlformats.org/officeDocument/2006/relationships" xmlns:p="http://schemas.openxmlformats.org/presentationml/2006/main">
-  <p:cSld>
-    <p:spTree>
-      <p:nvGrpSpPr>
-        <p:cNvPr id="1" name="">
-          <a:extLst>
-            <a:ext uri="{FF2B5EF4-FFF2-40B4-BE49-F238E27FC236}">
               <a16:creationId xmlns:a16="http://schemas.microsoft.com/office/drawing/2014/main" id="{9F0810B8-7227-D91A-856C-1C61EDA47D07}"/>
             </a:ext>
           </a:extLst>
@@ -4950,7 +4196,7 @@
           <a:p>
             <a:fld id="{86FD7C0E-B5E2-46F8-8369-32F2BC9FE565}" type="slidenum">
               <a:rPr lang="fr-FR" smtClean="0"/>
-              <a:t>12</a:t>
+              <a:t>10</a:t>
             </a:fld>
             <a:endParaRPr lang="fr-FR"/>
           </a:p>
@@ -5514,80 +4760,6 @@
           </a:prstGeom>
         </p:spPr>
       </p:pic>
-      <p:sp>
-        <p:nvSpPr>
-          <p:cNvPr id="16" name="ZoneTexte 15">
-            <a:extLst>
-              <a:ext uri="{FF2B5EF4-FFF2-40B4-BE49-F238E27FC236}">
-                <a16:creationId xmlns:a16="http://schemas.microsoft.com/office/drawing/2014/main" id="{3253C3D4-AC96-1139-5A15-C6A90402858E}"/>
-              </a:ext>
-            </a:extLst>
-          </p:cNvPr>
-          <p:cNvSpPr txBox="1"/>
-          <p:nvPr/>
-        </p:nvSpPr>
-        <p:spPr>
-          <a:xfrm>
-            <a:off x="854727" y="5026883"/>
-            <a:ext cx="7202895" cy="1754326"/>
-          </a:xfrm>
-          <a:prstGeom prst="rect">
-            <a:avLst/>
-          </a:prstGeom>
-          <a:noFill/>
-        </p:spPr>
-        <p:txBody>
-          <a:bodyPr wrap="square" rtlCol="0">
-            <a:spAutoFit/>
-          </a:bodyPr>
-          <a:lstStyle/>
-          <a:p>
-            <a:pPr marL="171450" indent="-171450">
-              <a:buFont typeface="Arial" panose="020B0604020202020204" pitchFamily="34" charset="0"/>
-              <a:buChar char="•"/>
-            </a:pPr>
-            <a:r>
-              <a:rPr lang="fr-FR" dirty="0"/>
-              <a:t>551 participants.</a:t>
-            </a:r>
-          </a:p>
-          <a:p>
-            <a:pPr marL="171450" indent="-171450">
-              <a:buFont typeface="Arial" panose="020B0604020202020204" pitchFamily="34" charset="0"/>
-              <a:buChar char="•"/>
-            </a:pPr>
-            <a:r>
-              <a:rPr lang="fr-FR" dirty="0"/>
-              <a:t>parité Hommes / Femmes respectée.</a:t>
-            </a:r>
-          </a:p>
-          <a:p>
-            <a:pPr marL="171450" indent="-171450">
-              <a:buFont typeface="Arial" panose="020B0604020202020204" pitchFamily="34" charset="0"/>
-              <a:buChar char="•"/>
-            </a:pPr>
-            <a:r>
-              <a:rPr lang="fr-FR" dirty="0"/>
-              <a:t>âges des participants dans la même tranche (moins de 30 ans) mis à part 3 exceptions chez les hommes et 3 chez les femmes (non significatifs)</a:t>
-            </a:r>
-          </a:p>
-          <a:p>
-            <a:pPr marL="171450" indent="-171450">
-              <a:buFont typeface="Arial" panose="020B0604020202020204" pitchFamily="34" charset="0"/>
-              <a:buChar char="•"/>
-            </a:pPr>
-            <a:r>
-              <a:rPr lang="fr-FR" dirty="0"/>
-              <a:t>métiers principalement dans le domaine tertiaire ce qui est probablement lié à la localisation des speed </a:t>
-            </a:r>
-            <a:r>
-              <a:rPr lang="fr-FR" dirty="0" err="1"/>
-              <a:t>datings</a:t>
-            </a:r>
-            <a:endParaRPr lang="fr-FR" dirty="0"/>
-          </a:p>
-        </p:txBody>
-      </p:sp>
       <p:pic>
         <p:nvPicPr>
           <p:cNvPr id="4" name="Image 3" descr="Une image contenant texte, capture d’écran, cercle, diagramme&#10;&#10;Le contenu généré par l’IA peut être incorrect.">
@@ -5640,8 +4812,8 @@
         </p:blipFill>
         <p:spPr>
           <a:xfrm>
-            <a:off x="154861" y="446124"/>
-            <a:ext cx="7757705" cy="4517412"/>
+            <a:off x="0" y="1108841"/>
+            <a:ext cx="7903546" cy="4602337"/>
           </a:xfrm>
           <a:prstGeom prst="rect">
             <a:avLst/>
@@ -5857,8 +5029,8 @@
         </p:nvSpPr>
         <p:spPr>
           <a:xfrm>
-            <a:off x="1828800" y="274320"/>
-            <a:ext cx="9525000" cy="646331"/>
+            <a:off x="1949669" y="136525"/>
+            <a:ext cx="9525000" cy="369332"/>
           </a:xfrm>
           <a:prstGeom prst="rect">
             <a:avLst/>
@@ -5873,12 +5045,8 @@
           <a:p>
             <a:r>
               <a:rPr lang="fr-FR" b="1" dirty="0"/>
-              <a:t>Axe d'analyse n°1: est ce que la notation des critères chez le partenaire évolue au fil du temps?</a:t>
-            </a:r>
-            <a:endParaRPr lang="fr-FR" dirty="0"/>
-          </a:p>
-          <a:p>
-            <a:endParaRPr lang="fr-FR" dirty="0"/>
+              <a:t>Les critères qui comptent changent-ils avec le temps ?</a:t>
+            </a:r>
           </a:p>
         </p:txBody>
       </p:sp>
@@ -5896,7 +5064,7 @@
         </p:nvSpPr>
         <p:spPr>
           <a:xfrm>
-            <a:off x="1949669" y="748186"/>
+            <a:off x="1949669" y="685944"/>
             <a:ext cx="8739352" cy="1107996"/>
           </a:xfrm>
           <a:prstGeom prst="rect">
@@ -6016,7 +5184,7 @@
         <p:cNvPr id="1" name="">
           <a:extLst>
             <a:ext uri="{FF2B5EF4-FFF2-40B4-BE49-F238E27FC236}">
-              <a16:creationId xmlns:a16="http://schemas.microsoft.com/office/drawing/2014/main" id="{2873F33E-5C1A-DAA7-15C0-5EDE3D4E7DB5}"/>
+              <a16:creationId xmlns:a16="http://schemas.microsoft.com/office/drawing/2014/main" id="{CC0E44D9-CBBA-5C5B-206B-C51F4D52F143}"/>
             </a:ext>
           </a:extLst>
         </p:cNvPr>
@@ -6036,7 +5204,7 @@
           <p:cNvPr id="2" name="Rectangle 1">
             <a:extLst>
               <a:ext uri="{FF2B5EF4-FFF2-40B4-BE49-F238E27FC236}">
-                <a16:creationId xmlns:a16="http://schemas.microsoft.com/office/drawing/2014/main" id="{5F9F7FD9-0AEB-588F-9F70-7650048BD40C}"/>
+                <a16:creationId xmlns:a16="http://schemas.microsoft.com/office/drawing/2014/main" id="{8D94ED33-0B97-8D17-034C-2B1C78E70C8A}"/>
               </a:ext>
             </a:extLst>
           </p:cNvPr>
@@ -6085,7 +5253,7 @@
           <p:cNvPr id="3" name="Espace réservé du numéro de diapositive 2">
             <a:extLst>
               <a:ext uri="{FF2B5EF4-FFF2-40B4-BE49-F238E27FC236}">
-                <a16:creationId xmlns:a16="http://schemas.microsoft.com/office/drawing/2014/main" id="{7B17FCD6-E5BE-1BA5-6C73-EB9B0EA7CA56}"/>
+                <a16:creationId xmlns:a16="http://schemas.microsoft.com/office/drawing/2014/main" id="{4F5CC123-18EE-091A-97C4-AFD6E182EE89}"/>
               </a:ext>
             </a:extLst>
           </p:cNvPr>
@@ -6111,10 +5279,10 @@
       </p:sp>
       <p:sp>
         <p:nvSpPr>
-          <p:cNvPr id="5" name="ZoneTexte 4">
-            <a:extLst>
-              <a:ext uri="{FF2B5EF4-FFF2-40B4-BE49-F238E27FC236}">
-                <a16:creationId xmlns:a16="http://schemas.microsoft.com/office/drawing/2014/main" id="{B9DFA881-75E3-D7B7-9EF1-98AE3D218A0C}"/>
+          <p:cNvPr id="6" name="ZoneTexte 5">
+            <a:extLst>
+              <a:ext uri="{FF2B5EF4-FFF2-40B4-BE49-F238E27FC236}">
+                <a16:creationId xmlns:a16="http://schemas.microsoft.com/office/drawing/2014/main" id="{A2119FBF-979E-5D12-C3E6-E7420CC8E755}"/>
               </a:ext>
             </a:extLst>
           </p:cNvPr>
@@ -6123,8 +5291,8 @@
         </p:nvSpPr>
         <p:spPr>
           <a:xfrm>
-            <a:off x="1954924" y="405348"/>
-            <a:ext cx="10300138" cy="6186309"/>
+            <a:off x="1707930" y="0"/>
+            <a:ext cx="10036083" cy="369332"/>
           </a:xfrm>
           <a:prstGeom prst="rect">
             <a:avLst/>
@@ -6132,376 +5300,6 @@
           <a:noFill/>
         </p:spPr>
         <p:txBody>
-          <a:bodyPr wrap="square">
-            <a:spAutoFit/>
-          </a:bodyPr>
-          <a:lstStyle/>
-          <a:p>
-            <a:pPr>
-              <a:buNone/>
-            </a:pPr>
-            <a:r>
-              <a:rPr lang="fr-FR" b="1" dirty="0"/>
-              <a:t>Analyse des critères d’attractivité dans le temps</a:t>
-            </a:r>
-          </a:p>
-          <a:p>
-            <a:pPr>
-              <a:buNone/>
-            </a:pPr>
-            <a:endParaRPr lang="fr-FR" b="1" dirty="0"/>
-          </a:p>
-          <a:p>
-            <a:pPr>
-              <a:buNone/>
-            </a:pPr>
-            <a:r>
-              <a:rPr lang="fr-FR" b="1" dirty="0"/>
-              <a:t>Les notations des participants mettent en évidence des dynamiques différenciées selon le genre :</a:t>
-            </a:r>
-            <a:endParaRPr lang="fr-FR" dirty="0"/>
-          </a:p>
-          <a:p>
-            <a:pPr>
-              <a:buNone/>
-            </a:pPr>
-            <a:endParaRPr lang="fr-FR" b="1" dirty="0"/>
-          </a:p>
-          <a:p>
-            <a:pPr>
-              <a:buNone/>
-            </a:pPr>
-            <a:r>
-              <a:rPr lang="fr-FR" b="1" dirty="0"/>
-              <a:t>Chez les hommes</a:t>
-            </a:r>
-            <a:endParaRPr lang="fr-FR" dirty="0"/>
-          </a:p>
-          <a:p>
-            <a:pPr>
-              <a:buFont typeface="Arial" panose="020B0604020202020204" pitchFamily="34" charset="0"/>
-              <a:buChar char="•"/>
-            </a:pPr>
-            <a:r>
-              <a:rPr lang="fr-FR" dirty="0"/>
-              <a:t>La </a:t>
-            </a:r>
-            <a:r>
-              <a:rPr lang="fr-FR" b="1" dirty="0"/>
-              <a:t>beauté </a:t>
-            </a:r>
-            <a:r>
-              <a:rPr lang="fr-FR" dirty="0"/>
-              <a:t>demeure le critère dominant à tous les moments de mesure.</a:t>
-            </a:r>
-          </a:p>
-          <a:p>
-            <a:pPr>
-              <a:buFont typeface="Arial" panose="020B0604020202020204" pitchFamily="34" charset="0"/>
-              <a:buChar char="•"/>
-            </a:pPr>
-            <a:r>
-              <a:rPr lang="fr-FR" dirty="0"/>
-              <a:t>Le lendemain de l’événement, le critère </a:t>
-            </a:r>
-            <a:r>
-              <a:rPr lang="fr-FR" b="1" dirty="0"/>
-              <a:t>« humour »</a:t>
-            </a:r>
-            <a:r>
-              <a:rPr lang="fr-FR" dirty="0"/>
-              <a:t> progresse et devance l’</a:t>
-            </a:r>
-            <a:r>
-              <a:rPr lang="fr-FR" b="1" dirty="0"/>
-              <a:t>intelligence</a:t>
-            </a:r>
-            <a:r>
-              <a:rPr lang="fr-FR" dirty="0"/>
-              <a:t>, habituellement citée comme deuxième qualité recherchée.</a:t>
-            </a:r>
-          </a:p>
-          <a:p>
-            <a:pPr>
-              <a:buFont typeface="Arial" panose="020B0604020202020204" pitchFamily="34" charset="0"/>
-              <a:buChar char="•"/>
-            </a:pPr>
-            <a:r>
-              <a:rPr lang="fr-FR" dirty="0"/>
-              <a:t>Les écarts entre le critère principal et les autres attributs sont </a:t>
-            </a:r>
-            <a:r>
-              <a:rPr lang="fr-FR" b="1" dirty="0"/>
-              <a:t>nettement marqués</a:t>
-            </a:r>
-            <a:r>
-              <a:rPr lang="fr-FR" dirty="0"/>
-              <a:t>, traduisant une hiérarchisation claire des préférences.</a:t>
-            </a:r>
-          </a:p>
-          <a:p>
-            <a:pPr>
-              <a:buNone/>
-            </a:pPr>
-            <a:endParaRPr lang="fr-FR" b="1" dirty="0"/>
-          </a:p>
-          <a:p>
-            <a:pPr>
-              <a:buNone/>
-            </a:pPr>
-            <a:r>
-              <a:rPr lang="fr-FR" b="1" dirty="0"/>
-              <a:t>Chez les femmes</a:t>
-            </a:r>
-            <a:endParaRPr lang="fr-FR" dirty="0"/>
-          </a:p>
-          <a:p>
-            <a:pPr>
-              <a:buFont typeface="Arial" panose="020B0604020202020204" pitchFamily="34" charset="0"/>
-              <a:buChar char="•"/>
-            </a:pPr>
-            <a:r>
-              <a:rPr lang="fr-FR" dirty="0"/>
-              <a:t>Avant le speed dating, l’</a:t>
-            </a:r>
-            <a:r>
-              <a:rPr lang="fr-FR" b="1" dirty="0"/>
-              <a:t>intelligence</a:t>
-            </a:r>
-            <a:r>
-              <a:rPr lang="fr-FR" dirty="0"/>
-              <a:t> est déclarée comme le principal facteur d’attractivité.</a:t>
-            </a:r>
-          </a:p>
-          <a:p>
-            <a:pPr>
-              <a:buFont typeface="Arial" panose="020B0604020202020204" pitchFamily="34" charset="0"/>
-              <a:buChar char="•"/>
-            </a:pPr>
-            <a:r>
-              <a:rPr lang="fr-FR" dirty="0"/>
-              <a:t>À partir du speed dating, la </a:t>
-            </a:r>
-            <a:r>
-              <a:rPr lang="fr-FR" b="1" dirty="0"/>
-              <a:t>beauté </a:t>
-            </a:r>
-            <a:r>
-              <a:rPr lang="fr-FR" dirty="0"/>
-              <a:t>devient le critère n°1 et le reste dans le temps.</a:t>
-            </a:r>
-          </a:p>
-          <a:p>
-            <a:pPr>
-              <a:buFont typeface="Arial" panose="020B0604020202020204" pitchFamily="34" charset="0"/>
-              <a:buChar char="•"/>
-            </a:pPr>
-            <a:r>
-              <a:rPr lang="fr-FR" dirty="0"/>
-              <a:t>Les différences entre attributs sont </a:t>
-            </a:r>
-            <a:r>
-              <a:rPr lang="fr-FR" b="1" dirty="0"/>
-              <a:t>plus modérées</a:t>
-            </a:r>
-            <a:r>
-              <a:rPr lang="fr-FR" dirty="0"/>
-              <a:t> que chez les hommes, suggérant des préférences plus équilibrées.</a:t>
-            </a:r>
-          </a:p>
-          <a:p>
-            <a:pPr>
-              <a:buNone/>
-            </a:pPr>
-            <a:br>
-              <a:rPr lang="fr-FR" dirty="0"/>
-            </a:br>
-            <a:endParaRPr lang="fr-FR" dirty="0"/>
-          </a:p>
-          <a:p>
-            <a:pPr>
-              <a:buNone/>
-            </a:pPr>
-            <a:r>
-              <a:rPr lang="fr-FR" b="1" dirty="0"/>
-              <a:t>➜ À retenir</a:t>
-            </a:r>
-          </a:p>
-          <a:p>
-            <a:pPr>
-              <a:buFont typeface="Arial" panose="020B0604020202020204" pitchFamily="34" charset="0"/>
-              <a:buChar char="•"/>
-            </a:pPr>
-            <a:r>
-              <a:rPr lang="fr-FR" dirty="0"/>
-              <a:t>Le speed dating </a:t>
-            </a:r>
-            <a:r>
-              <a:rPr lang="fr-FR" b="1" dirty="0"/>
-              <a:t>ne modifie pas les préférences exprimées par les hommes</a:t>
-            </a:r>
-            <a:r>
-              <a:rPr lang="fr-FR" dirty="0"/>
-              <a:t>.</a:t>
-            </a:r>
-          </a:p>
-          <a:p>
-            <a:pPr>
-              <a:buFont typeface="Arial" panose="020B0604020202020204" pitchFamily="34" charset="0"/>
-              <a:buChar char="•"/>
-            </a:pPr>
-            <a:r>
-              <a:rPr lang="fr-FR" dirty="0"/>
-              <a:t>Il entraîne en revanche une </a:t>
-            </a:r>
-            <a:r>
-              <a:rPr lang="fr-FR" b="1" dirty="0"/>
-              <a:t>évolution plus marquée des critères déclarés par les femmes</a:t>
-            </a:r>
-            <a:r>
-              <a:rPr lang="fr-FR" dirty="0"/>
-              <a:t>, avec un recentrage sur la beauté après l’expérience.</a:t>
-            </a:r>
-          </a:p>
-        </p:txBody>
-      </p:sp>
-    </p:spTree>
-    <p:extLst>
-      <p:ext uri="{BB962C8B-B14F-4D97-AF65-F5344CB8AC3E}">
-        <p14:creationId xmlns:p14="http://schemas.microsoft.com/office/powerpoint/2010/main" val="290115451"/>
-      </p:ext>
-    </p:extLst>
-  </p:cSld>
-  <p:clrMapOvr>
-    <a:masterClrMapping/>
-  </p:clrMapOvr>
-</p:sld>
-</file>
-
-<file path=ppt/slides/slide6.xml><?xml version="1.0" encoding="utf-8"?>
-<p:sld xmlns:a="http://schemas.openxmlformats.org/drawingml/2006/main" xmlns:r="http://schemas.openxmlformats.org/officeDocument/2006/relationships" xmlns:p="http://schemas.openxmlformats.org/presentationml/2006/main">
-  <p:cSld>
-    <p:spTree>
-      <p:nvGrpSpPr>
-        <p:cNvPr id="1" name="">
-          <a:extLst>
-            <a:ext uri="{FF2B5EF4-FFF2-40B4-BE49-F238E27FC236}">
-              <a16:creationId xmlns:a16="http://schemas.microsoft.com/office/drawing/2014/main" id="{CC0E44D9-CBBA-5C5B-206B-C51F4D52F143}"/>
-            </a:ext>
-          </a:extLst>
-        </p:cNvPr>
-        <p:cNvGrpSpPr/>
-        <p:nvPr/>
-      </p:nvGrpSpPr>
-      <p:grpSpPr>
-        <a:xfrm>
-          <a:off x="0" y="0"/>
-          <a:ext cx="0" cy="0"/>
-          <a:chOff x="0" y="0"/>
-          <a:chExt cx="0" cy="0"/>
-        </a:xfrm>
-      </p:grpSpPr>
-      <p:sp>
-        <p:nvSpPr>
-          <p:cNvPr id="2" name="Rectangle 1">
-            <a:extLst>
-              <a:ext uri="{FF2B5EF4-FFF2-40B4-BE49-F238E27FC236}">
-                <a16:creationId xmlns:a16="http://schemas.microsoft.com/office/drawing/2014/main" id="{8D94ED33-0B97-8D17-034C-2B1C78E70C8A}"/>
-              </a:ext>
-            </a:extLst>
-          </p:cNvPr>
-          <p:cNvSpPr/>
-          <p:nvPr/>
-        </p:nvSpPr>
-        <p:spPr>
-          <a:xfrm>
-            <a:off x="0" y="0"/>
-            <a:ext cx="1707931" cy="6858000"/>
-          </a:xfrm>
-          <a:prstGeom prst="rect">
-            <a:avLst/>
-          </a:prstGeom>
-          <a:solidFill>
-            <a:srgbClr val="F3D6DF"/>
-          </a:solidFill>
-        </p:spPr>
-        <p:style>
-          <a:lnRef idx="2">
-            <a:schemeClr val="accent1">
-              <a:shade val="15000"/>
-            </a:schemeClr>
-          </a:lnRef>
-          <a:fillRef idx="1">
-            <a:schemeClr val="accent1"/>
-          </a:fillRef>
-          <a:effectRef idx="0">
-            <a:schemeClr val="accent1"/>
-          </a:effectRef>
-          <a:fontRef idx="minor">
-            <a:schemeClr val="lt1"/>
-          </a:fontRef>
-        </p:style>
-        <p:txBody>
-          <a:bodyPr rtlCol="0" anchor="ctr"/>
-          <a:lstStyle/>
-          <a:p>
-            <a:pPr algn="ctr"/>
-            <a:endParaRPr lang="fr-FR"/>
-          </a:p>
-        </p:txBody>
-      </p:sp>
-      <p:sp>
-        <p:nvSpPr>
-          <p:cNvPr id="3" name="Espace réservé du numéro de diapositive 2">
-            <a:extLst>
-              <a:ext uri="{FF2B5EF4-FFF2-40B4-BE49-F238E27FC236}">
-                <a16:creationId xmlns:a16="http://schemas.microsoft.com/office/drawing/2014/main" id="{4F5CC123-18EE-091A-97C4-AFD6E182EE89}"/>
-              </a:ext>
-            </a:extLst>
-          </p:cNvPr>
-          <p:cNvSpPr>
-            <a:spLocks noGrp="1"/>
-          </p:cNvSpPr>
-          <p:nvPr>
-            <p:ph type="sldNum" sz="quarter" idx="12"/>
-          </p:nvPr>
-        </p:nvSpPr>
-        <p:spPr/>
-        <p:txBody>
-          <a:bodyPr/>
-          <a:lstStyle/>
-          <a:p>
-            <a:fld id="{86FD7C0E-B5E2-46F8-8369-32F2BC9FE565}" type="slidenum">
-              <a:rPr lang="fr-FR" smtClean="0"/>
-              <a:t>6</a:t>
-            </a:fld>
-            <a:endParaRPr lang="fr-FR"/>
-          </a:p>
-        </p:txBody>
-      </p:sp>
-      <p:sp>
-        <p:nvSpPr>
-          <p:cNvPr id="6" name="ZoneTexte 5">
-            <a:extLst>
-              <a:ext uri="{FF2B5EF4-FFF2-40B4-BE49-F238E27FC236}">
-                <a16:creationId xmlns:a16="http://schemas.microsoft.com/office/drawing/2014/main" id="{A2119FBF-979E-5D12-C3E6-E7420CC8E755}"/>
-              </a:ext>
-            </a:extLst>
-          </p:cNvPr>
-          <p:cNvSpPr txBox="1"/>
-          <p:nvPr/>
-        </p:nvSpPr>
-        <p:spPr>
-          <a:xfrm>
-            <a:off x="1707930" y="0"/>
-            <a:ext cx="10036083" cy="923330"/>
-          </a:xfrm>
-          <a:prstGeom prst="rect">
-            <a:avLst/>
-          </a:prstGeom>
-          <a:noFill/>
-        </p:spPr>
-        <p:txBody>
           <a:bodyPr wrap="square" rtlCol="0">
             <a:spAutoFit/>
           </a:bodyPr>
@@ -6509,12 +5307,8 @@
           <a:p>
             <a:r>
               <a:rPr lang="fr-FR" b="1" dirty="0"/>
-              <a:t>Axe d'analyse n°2: est ce que la façon dont les participants s'auto-évaluent a une incidence sur le fait d'avoir un match?</a:t>
-            </a:r>
-            <a:endParaRPr lang="fr-FR" dirty="0"/>
-          </a:p>
-          <a:p>
-            <a:endParaRPr lang="fr-FR" dirty="0"/>
+              <a:t>Effet de l’auto-évaluation sur le succès des rencontres</a:t>
+            </a:r>
           </a:p>
         </p:txBody>
       </p:sp>
@@ -6677,7 +5471,7 @@
 </p:sld>
 </file>
 
-<file path=ppt/slides/slide7.xml><?xml version="1.0" encoding="utf-8"?>
+<file path=ppt/slides/slide6.xml><?xml version="1.0" encoding="utf-8"?>
 <p:sld xmlns:a="http://schemas.openxmlformats.org/drawingml/2006/main" xmlns:r="http://schemas.openxmlformats.org/officeDocument/2006/relationships" xmlns:p="http://schemas.openxmlformats.org/presentationml/2006/main">
   <p:cSld>
     <p:spTree>
@@ -6772,7 +5566,7 @@
           <a:p>
             <a:fld id="{86FD7C0E-B5E2-46F8-8369-32F2BC9FE565}" type="slidenum">
               <a:rPr lang="fr-FR" smtClean="0"/>
-              <a:t>7</a:t>
+              <a:t>6</a:t>
             </a:fld>
             <a:endParaRPr lang="fr-FR"/>
           </a:p>
@@ -6800,7 +5594,7 @@
         </p:blipFill>
         <p:spPr>
           <a:xfrm>
-            <a:off x="2233462" y="7616"/>
+            <a:off x="1991724" y="1982727"/>
             <a:ext cx="4741401" cy="4248379"/>
           </a:xfrm>
           <a:prstGeom prst="rect">
@@ -6830,7 +5624,7 @@
         </p:blipFill>
         <p:spPr>
           <a:xfrm>
-            <a:off x="7261191" y="7615"/>
+            <a:off x="7135066" y="1982727"/>
             <a:ext cx="4741401" cy="4248379"/>
           </a:xfrm>
           <a:prstGeom prst="rect">
@@ -6838,12 +5632,72 @@
           </a:prstGeom>
         </p:spPr>
       </p:pic>
-      <p:sp>
-        <p:nvSpPr>
-          <p:cNvPr id="11" name="ZoneTexte 10">
-            <a:extLst>
-              <a:ext uri="{FF2B5EF4-FFF2-40B4-BE49-F238E27FC236}">
-                <a16:creationId xmlns:a16="http://schemas.microsoft.com/office/drawing/2014/main" id="{DFB99B4A-9073-C882-7918-AFBED87CAE58}"/>
+      <p:pic>
+        <p:nvPicPr>
+          <p:cNvPr id="6" name="Image 5" descr="Une image contenant texte, capture d’écran, Police, blanc&#10;&#10;Le contenu généré par l’IA peut être incorrect.">
+            <a:extLst>
+              <a:ext uri="{FF2B5EF4-FFF2-40B4-BE49-F238E27FC236}">
+                <a16:creationId xmlns:a16="http://schemas.microsoft.com/office/drawing/2014/main" id="{C1C005B4-6294-2D3A-F05A-A31C6844FB6B}"/>
+              </a:ext>
+            </a:extLst>
+          </p:cNvPr>
+          <p:cNvPicPr>
+            <a:picLocks noChangeAspect="1"/>
+          </p:cNvPicPr>
+          <p:nvPr/>
+        </p:nvPicPr>
+        <p:blipFill>
+          <a:blip r:embed="rId4"/>
+          <a:stretch>
+            <a:fillRect/>
+          </a:stretch>
+        </p:blipFill>
+        <p:spPr>
+          <a:xfrm>
+            <a:off x="2292633" y="394924"/>
+            <a:ext cx="4296311" cy="1339282"/>
+          </a:xfrm>
+          <a:prstGeom prst="rect">
+            <a:avLst/>
+          </a:prstGeom>
+        </p:spPr>
+      </p:pic>
+      <p:pic>
+        <p:nvPicPr>
+          <p:cNvPr id="14" name="Image 13" descr="Une image contenant texte, Police, capture d’écran, blanc&#10;&#10;Le contenu généré par l’IA peut être incorrect.">
+            <a:extLst>
+              <a:ext uri="{FF2B5EF4-FFF2-40B4-BE49-F238E27FC236}">
+                <a16:creationId xmlns:a16="http://schemas.microsoft.com/office/drawing/2014/main" id="{5DDD5418-D0BC-03FD-30CD-062185684955}"/>
+              </a:ext>
+            </a:extLst>
+          </p:cNvPr>
+          <p:cNvPicPr>
+            <a:picLocks noChangeAspect="1"/>
+          </p:cNvPicPr>
+          <p:nvPr/>
+        </p:nvPicPr>
+        <p:blipFill>
+          <a:blip r:embed="rId5"/>
+          <a:stretch>
+            <a:fillRect/>
+          </a:stretch>
+        </p:blipFill>
+        <p:spPr>
+          <a:xfrm>
+            <a:off x="7383152" y="394925"/>
+            <a:ext cx="4299096" cy="1339282"/>
+          </a:xfrm>
+          <a:prstGeom prst="rect">
+            <a:avLst/>
+          </a:prstGeom>
+        </p:spPr>
+      </p:pic>
+      <p:sp>
+        <p:nvSpPr>
+          <p:cNvPr id="15" name="ZoneTexte 14">
+            <a:extLst>
+              <a:ext uri="{FF2B5EF4-FFF2-40B4-BE49-F238E27FC236}">
+                <a16:creationId xmlns:a16="http://schemas.microsoft.com/office/drawing/2014/main" id="{46117FEE-8724-51E6-864F-7F6BD7517A52}"/>
               </a:ext>
             </a:extLst>
           </p:cNvPr>
@@ -6852,8 +5706,8 @@
         </p:nvSpPr>
         <p:spPr>
           <a:xfrm>
-            <a:off x="2118360" y="4255995"/>
-            <a:ext cx="11850624" cy="2677656"/>
+            <a:off x="1707930" y="0"/>
+            <a:ext cx="10036083" cy="369332"/>
           </a:xfrm>
           <a:prstGeom prst="rect">
             <a:avLst/>
@@ -6861,183 +5715,14 @@
           <a:noFill/>
         </p:spPr>
         <p:txBody>
-          <a:bodyPr wrap="square">
+          <a:bodyPr wrap="square" rtlCol="0">
             <a:spAutoFit/>
           </a:bodyPr>
           <a:lstStyle/>
           <a:p>
-            <a:pPr>
-              <a:buNone/>
-            </a:pPr>
-            <a:r>
-              <a:rPr lang="fr-FR" sz="1400" b="1" dirty="0"/>
-              <a:t>Impact de l’auto-évaluation sur l’obtention d’un match</a:t>
-            </a:r>
-          </a:p>
-          <a:p>
-            <a:pPr>
-              <a:buNone/>
-            </a:pPr>
-            <a:r>
-              <a:rPr lang="fr-FR" sz="1400" b="1" dirty="0"/>
-              <a:t>L’analyse montre que l’auto-évaluation des participants évolue peu selon qu’ils obtiennent un match ou non.</a:t>
-            </a:r>
-            <a:endParaRPr lang="fr-FR" sz="1400" dirty="0"/>
-          </a:p>
-          <a:p>
-            <a:pPr>
-              <a:buNone/>
-            </a:pPr>
-            <a:r>
-              <a:rPr lang="fr-FR" sz="1400" b="1" dirty="0"/>
-              <a:t>Chez les hommes</a:t>
-            </a:r>
-            <a:endParaRPr lang="fr-FR" sz="1400" dirty="0"/>
-          </a:p>
-          <a:p>
-            <a:pPr>
-              <a:buFont typeface="Arial" panose="020B0604020202020204" pitchFamily="34" charset="0"/>
-              <a:buChar char="•"/>
-            </a:pPr>
-            <a:r>
-              <a:rPr lang="fr-FR" sz="1400" dirty="0"/>
-              <a:t>L’auto-évaluation après le speed dating est </a:t>
-            </a:r>
-            <a:r>
-              <a:rPr lang="fr-FR" sz="1400" b="1" dirty="0"/>
-              <a:t>légèrement inférieure</a:t>
-            </a:r>
-            <a:r>
-              <a:rPr lang="fr-FR" sz="1400" dirty="0"/>
-              <a:t> à celle mesurée avant l’événement</a:t>
-            </a:r>
-            <a:br>
-              <a:rPr lang="fr-FR" sz="1400" dirty="0"/>
-            </a:br>
-            <a:r>
-              <a:rPr lang="fr-FR" sz="1400" i="1" dirty="0"/>
-              <a:t>(–0,06 point sur l’attribut principal, indépendamment de l’obtention d’un match)</a:t>
-            </a:r>
-            <a:r>
-              <a:rPr lang="fr-FR" sz="1400" dirty="0"/>
-              <a:t>.</a:t>
-            </a:r>
-          </a:p>
-          <a:p>
-            <a:pPr>
-              <a:buNone/>
-            </a:pPr>
-            <a:r>
-              <a:rPr lang="fr-FR" sz="1400" b="1" dirty="0"/>
-              <a:t>Chez les femmes</a:t>
-            </a:r>
-            <a:endParaRPr lang="fr-FR" sz="1400" dirty="0"/>
-          </a:p>
-          <a:p>
-            <a:pPr>
-              <a:buFont typeface="Arial" panose="020B0604020202020204" pitchFamily="34" charset="0"/>
-              <a:buChar char="•"/>
-            </a:pPr>
-            <a:r>
-              <a:rPr lang="fr-FR" sz="1400" dirty="0"/>
-              <a:t>En cas de match, l’auto-évaluation du meilleur attribut </a:t>
-            </a:r>
-            <a:r>
-              <a:rPr lang="fr-FR" sz="1400" b="1" dirty="0"/>
-              <a:t>progresse légèrement</a:t>
-            </a:r>
-            <a:r>
-              <a:rPr lang="fr-FR" sz="1400" dirty="0"/>
-              <a:t> </a:t>
-            </a:r>
-            <a:r>
-              <a:rPr lang="fr-FR" sz="1400" i="1" dirty="0"/>
-              <a:t>(+0,06 point)</a:t>
-            </a:r>
-            <a:r>
-              <a:rPr lang="fr-FR" sz="1400" dirty="0"/>
-              <a:t>.</a:t>
-            </a:r>
-          </a:p>
-          <a:p>
-            <a:pPr>
-              <a:buFont typeface="Arial" panose="020B0604020202020204" pitchFamily="34" charset="0"/>
-              <a:buChar char="•"/>
-            </a:pPr>
-            <a:r>
-              <a:rPr lang="fr-FR" sz="1400" dirty="0"/>
-              <a:t>En l’absence de match, elle </a:t>
-            </a:r>
-            <a:r>
-              <a:rPr lang="fr-FR" sz="1400" b="1" dirty="0"/>
-              <a:t>diminue marginalement</a:t>
-            </a:r>
-            <a:r>
-              <a:rPr lang="fr-FR" sz="1400" dirty="0"/>
-              <a:t> </a:t>
-            </a:r>
-            <a:r>
-              <a:rPr lang="fr-FR" sz="1400" i="1" dirty="0"/>
-              <a:t>(–0,02 point)</a:t>
-            </a:r>
-            <a:r>
-              <a:rPr lang="fr-FR" sz="1400" dirty="0"/>
-              <a:t>.</a:t>
-            </a:r>
-          </a:p>
-          <a:p>
-            <a:pPr>
-              <a:buNone/>
-            </a:pPr>
-            <a:r>
-              <a:rPr lang="fr-FR" sz="1400" b="1" dirty="0"/>
-              <a:t>Globalement</a:t>
-            </a:r>
-            <a:endParaRPr lang="fr-FR" sz="1400" dirty="0"/>
-          </a:p>
-          <a:p>
-            <a:pPr>
-              <a:buFont typeface="Arial" panose="020B0604020202020204" pitchFamily="34" charset="0"/>
-              <a:buChar char="•"/>
-            </a:pPr>
-            <a:r>
-              <a:rPr lang="fr-FR" sz="1400" dirty="0"/>
-              <a:t>Les écarts d’auto-évaluation entre participants ayant obtenu un match et ceux n’en ayant pas obtenu sont </a:t>
-            </a:r>
-            <a:r>
-              <a:rPr lang="fr-FR" sz="1400" b="1" dirty="0"/>
-              <a:t>faibles et non significatifs</a:t>
-            </a:r>
-            <a:r>
-              <a:rPr lang="fr-FR" sz="1400" dirty="0"/>
-              <a:t>.</a:t>
-            </a:r>
-          </a:p>
-          <a:p>
-            <a:pPr>
-              <a:buNone/>
-            </a:pPr>
-            <a:r>
-              <a:rPr lang="fr-FR" sz="1400" b="1" dirty="0"/>
-              <a:t>➜ À retenir</a:t>
-            </a:r>
-          </a:p>
-          <a:p>
-            <a:pPr>
-              <a:buFont typeface="Arial" panose="020B0604020202020204" pitchFamily="34" charset="0"/>
-              <a:buChar char="•"/>
-            </a:pPr>
-            <a:r>
-              <a:rPr lang="fr-FR" sz="1400" dirty="0"/>
-              <a:t>La manière dont les participants s’auto-évaluent </a:t>
-            </a:r>
-            <a:r>
-              <a:rPr lang="fr-FR" sz="1400" b="1" dirty="0"/>
-              <a:t>n’a pas d’impact notable</a:t>
-            </a:r>
-            <a:r>
-              <a:rPr lang="fr-FR" sz="1400" dirty="0"/>
-              <a:t> sur la probabilité d’obtenir un match.</a:t>
+            <a:r>
+              <a:rPr lang="fr-FR" b="1" dirty="0"/>
+              <a:t>Corrélation entre auto-évaluation et matchs</a:t>
             </a:r>
           </a:p>
         </p:txBody>
@@ -7055,7 +5740,7 @@
 </p:sld>
 </file>
 
-<file path=ppt/slides/slide8.xml><?xml version="1.0" encoding="utf-8"?>
+<file path=ppt/slides/slide7.xml><?xml version="1.0" encoding="utf-8"?>
 <p:sld xmlns:a="http://schemas.openxmlformats.org/drawingml/2006/main" xmlns:r="http://schemas.openxmlformats.org/officeDocument/2006/relationships" xmlns:p="http://schemas.openxmlformats.org/presentationml/2006/main">
   <p:cSld>
     <p:spTree>
@@ -7150,7 +5835,7 @@
           <a:p>
             <a:fld id="{86FD7C0E-B5E2-46F8-8369-32F2BC9FE565}" type="slidenum">
               <a:rPr lang="fr-FR" smtClean="0"/>
-              <a:t>8</a:t>
+              <a:t>7</a:t>
             </a:fld>
             <a:endParaRPr lang="fr-FR"/>
           </a:p>
@@ -7170,8 +5855,8 @@
         </p:nvSpPr>
         <p:spPr>
           <a:xfrm>
-            <a:off x="1707931" y="47560"/>
-            <a:ext cx="11193780" cy="646331"/>
+            <a:off x="1820886" y="580063"/>
+            <a:ext cx="11193780" cy="369332"/>
           </a:xfrm>
           <a:prstGeom prst="rect">
             <a:avLst/>
@@ -7186,121 +5871,7 @@
           <a:p>
             <a:r>
               <a:rPr lang="fr-FR" b="1" dirty="0"/>
-              <a:t>Axe d'analyse n°3: Est ce que les speed-datings à thèmes conduisent à plus de matchs entre les participants?</a:t>
-            </a:r>
-            <a:endParaRPr lang="fr-FR" dirty="0"/>
-          </a:p>
-          <a:p>
-            <a:endParaRPr lang="fr-FR" dirty="0"/>
-          </a:p>
-        </p:txBody>
-      </p:sp>
-      <p:sp>
-        <p:nvSpPr>
-          <p:cNvPr id="9" name="ZoneTexte 8">
-            <a:extLst>
-              <a:ext uri="{FF2B5EF4-FFF2-40B4-BE49-F238E27FC236}">
-                <a16:creationId xmlns:a16="http://schemas.microsoft.com/office/drawing/2014/main" id="{71379E58-5DDB-4960-3ECC-B3E4F4FD6FE9}"/>
-              </a:ext>
-            </a:extLst>
-          </p:cNvPr>
-          <p:cNvSpPr txBox="1"/>
-          <p:nvPr/>
-        </p:nvSpPr>
-        <p:spPr>
-          <a:xfrm>
-            <a:off x="2080115" y="4395787"/>
-            <a:ext cx="8918593" cy="2246769"/>
-          </a:xfrm>
-          <a:prstGeom prst="rect">
-            <a:avLst/>
-          </a:prstGeom>
-          <a:noFill/>
-        </p:spPr>
-        <p:txBody>
-          <a:bodyPr wrap="square" rtlCol="0">
-            <a:spAutoFit/>
-          </a:bodyPr>
-          <a:lstStyle/>
-          <a:p>
-            <a:r>
-              <a:rPr lang="fr-FR" sz="1400" b="1" dirty="0"/>
-              <a:t>Impact des speed-datings à thèmes sur les matchs:</a:t>
-            </a:r>
-          </a:p>
-          <a:p>
-            <a:endParaRPr lang="fr-FR" sz="1400" dirty="0"/>
-          </a:p>
-          <a:p>
-            <a:r>
-              <a:rPr lang="fr-FR" sz="1400" dirty="0"/>
-              <a:t>L’analyse des données montre que </a:t>
-            </a:r>
-            <a:r>
-              <a:rPr lang="fr-FR" sz="1400" b="1" dirty="0"/>
-              <a:t>les rencontres avec un thème commun</a:t>
-            </a:r>
-            <a:r>
-              <a:rPr lang="fr-FR" sz="1400" dirty="0"/>
-              <a:t> (ex : participants arrivant avec un livre ou un magazine) </a:t>
-            </a:r>
-            <a:r>
-              <a:rPr lang="fr-FR" sz="1400" b="1" dirty="0"/>
-              <a:t>ne génèrent pas un taux de matchs plus élevé</a:t>
-            </a:r>
-            <a:r>
-              <a:rPr lang="fr-FR" sz="1400" dirty="0"/>
-              <a:t> que les sessions classiques.</a:t>
-            </a:r>
-          </a:p>
-          <a:p>
-            <a:endParaRPr lang="fr-FR" sz="1400" dirty="0"/>
-          </a:p>
-          <a:p>
-            <a:r>
-              <a:rPr lang="fr-FR" sz="1400" b="1" dirty="0"/>
-              <a:t>→ À retenir:</a:t>
-            </a:r>
-            <a:r>
-              <a:rPr lang="fr-FR" sz="1400" dirty="0"/>
-              <a:t> </a:t>
-            </a:r>
-            <a:r>
-              <a:rPr lang="fr-FR" sz="1400" b="1" dirty="0"/>
-              <a:t>Un intérêt commun</a:t>
-            </a:r>
-            <a:r>
-              <a:rPr lang="fr-FR" sz="1400" dirty="0"/>
-              <a:t> (ex : lecture) ne semble pas </a:t>
-            </a:r>
-            <a:r>
-              <a:rPr lang="fr-FR" sz="1400" b="1" dirty="0"/>
-              <a:t>augmenter significativement</a:t>
-            </a:r>
-            <a:r>
-              <a:rPr lang="fr-FR" sz="1400" dirty="0"/>
-              <a:t> les chances de match entre les participants.</a:t>
-            </a:r>
-          </a:p>
-          <a:p>
-            <a:endParaRPr lang="fr-FR" sz="1400" dirty="0"/>
-          </a:p>
-          <a:p>
-            <a:r>
-              <a:rPr lang="fr-FR" sz="1400" b="1" dirty="0"/>
-              <a:t>Note méthodologique</a:t>
-            </a:r>
-            <a:r>
-              <a:rPr lang="fr-FR" sz="1400" dirty="0"/>
-              <a:t> Ces résultats sont à considérer </a:t>
-            </a:r>
-            <a:r>
-              <a:rPr lang="fr-FR" sz="1400" b="1" dirty="0"/>
-              <a:t>sous réserve d’un échantillon réduit</a:t>
-            </a:r>
-            <a:r>
-              <a:rPr lang="fr-FR" sz="1400" dirty="0"/>
-              <a:t>. Une analyse sur un plus grand volume de données serait nécessaire pour confirmer cette tendance</a:t>
+              <a:t>Effet des speed-datings à thème</a:t>
             </a:r>
           </a:p>
         </p:txBody>
@@ -7319,7 +5890,7 @@
         </p:nvGrpSpPr>
         <p:grpSpPr>
           <a:xfrm>
-            <a:off x="2257572" y="424099"/>
+            <a:off x="2343633" y="1666607"/>
             <a:ext cx="9451231" cy="3849738"/>
             <a:chOff x="1902569" y="741450"/>
             <a:chExt cx="9867900" cy="4257676"/>
@@ -7399,7 +5970,7 @@
 </p:sld>
 </file>
 
-<file path=ppt/slides/slide9.xml><?xml version="1.0" encoding="utf-8"?>
+<file path=ppt/slides/slide8.xml><?xml version="1.0" encoding="utf-8"?>
 <p:sld xmlns:a="http://schemas.openxmlformats.org/drawingml/2006/main" xmlns:r="http://schemas.openxmlformats.org/officeDocument/2006/relationships" xmlns:p="http://schemas.openxmlformats.org/presentationml/2006/main">
   <p:cSld>
     <p:spTree>
@@ -7524,7 +6095,7 @@
           <a:p>
             <a:fld id="{86FD7C0E-B5E2-46F8-8369-32F2BC9FE565}" type="slidenum">
               <a:rPr lang="fr-FR" smtClean="0"/>
-              <a:t>9</a:t>
+              <a:t>8</a:t>
             </a:fld>
             <a:endParaRPr lang="fr-FR"/>
           </a:p>
@@ -7544,8 +6115,8 @@
         </p:nvSpPr>
         <p:spPr>
           <a:xfrm>
-            <a:off x="365760" y="210312"/>
-            <a:ext cx="11649456" cy="923330"/>
+            <a:off x="1707930" y="210312"/>
+            <a:ext cx="10307285" cy="369332"/>
           </a:xfrm>
           <a:prstGeom prst="rect">
             <a:avLst/>
@@ -7560,21 +6131,199 @@
           <a:p>
             <a:r>
               <a:rPr lang="fr-FR" b="1" dirty="0"/>
-              <a:t>Axe d'analyse n°4: Est ce que l'objectif principal incitant les participants à participer au speed-dating a une incidence sur le taux de match?</a:t>
-            </a:r>
-            <a:endParaRPr lang="fr-FR" dirty="0"/>
-          </a:p>
-          <a:p>
-            <a:endParaRPr lang="fr-FR" dirty="0"/>
-          </a:p>
-        </p:txBody>
-      </p:sp>
-      <p:sp>
-        <p:nvSpPr>
-          <p:cNvPr id="9" name="ZoneTexte 8">
-            <a:extLst>
-              <a:ext uri="{FF2B5EF4-FFF2-40B4-BE49-F238E27FC236}">
-                <a16:creationId xmlns:a16="http://schemas.microsoft.com/office/drawing/2014/main" id="{BA4A12BD-DA03-64CA-7809-0D67DE5F44BA}"/>
+              <a:t>L’intention de départ </a:t>
+            </a:r>
+            <a:r>
+              <a:rPr lang="fr-FR" b="1" dirty="0" err="1"/>
+              <a:t>fait-elle</a:t>
+            </a:r>
+            <a:r>
+              <a:rPr lang="fr-FR" b="1" dirty="0"/>
+              <a:t> la différence ?</a:t>
+            </a:r>
+          </a:p>
+        </p:txBody>
+      </p:sp>
+    </p:spTree>
+    <p:extLst>
+      <p:ext uri="{BB962C8B-B14F-4D97-AF65-F5344CB8AC3E}">
+        <p14:creationId xmlns:p14="http://schemas.microsoft.com/office/powerpoint/2010/main" val="314124001"/>
+      </p:ext>
+    </p:extLst>
+  </p:cSld>
+  <p:clrMapOvr>
+    <a:masterClrMapping/>
+  </p:clrMapOvr>
+</p:sld>
+</file>
+
+<file path=ppt/slides/slide9.xml><?xml version="1.0" encoding="utf-8"?>
+<p:sld xmlns:a="http://schemas.openxmlformats.org/drawingml/2006/main" xmlns:r="http://schemas.openxmlformats.org/officeDocument/2006/relationships" xmlns:p="http://schemas.openxmlformats.org/presentationml/2006/main">
+  <p:cSld>
+    <p:spTree>
+      <p:nvGrpSpPr>
+        <p:cNvPr id="1" name="">
+          <a:extLst>
+            <a:ext uri="{FF2B5EF4-FFF2-40B4-BE49-F238E27FC236}">
+              <a16:creationId xmlns:a16="http://schemas.microsoft.com/office/drawing/2014/main" id="{423951F4-DC5E-9208-15BC-DAFBD609E25B}"/>
+            </a:ext>
+          </a:extLst>
+        </p:cNvPr>
+        <p:cNvGrpSpPr/>
+        <p:nvPr/>
+      </p:nvGrpSpPr>
+      <p:grpSpPr>
+        <a:xfrm>
+          <a:off x="0" y="0"/>
+          <a:ext cx="0" cy="0"/>
+          <a:chOff x="0" y="0"/>
+          <a:chExt cx="0" cy="0"/>
+        </a:xfrm>
+      </p:grpSpPr>
+      <p:pic>
+        <p:nvPicPr>
+          <p:cNvPr id="10" name="Image 9" descr="Une image contenant texte, capture d’écran, diagramme, cercle&#10;&#10;Le contenu généré par l’IA peut être incorrect.">
+            <a:extLst>
+              <a:ext uri="{FF2B5EF4-FFF2-40B4-BE49-F238E27FC236}">
+                <a16:creationId xmlns:a16="http://schemas.microsoft.com/office/drawing/2014/main" id="{8D1705BF-A249-6B2A-92A3-3346B01A92E0}"/>
+              </a:ext>
+            </a:extLst>
+          </p:cNvPr>
+          <p:cNvPicPr>
+            <a:picLocks noChangeAspect="1"/>
+          </p:cNvPicPr>
+          <p:nvPr/>
+        </p:nvPicPr>
+        <p:blipFill>
+          <a:blip r:embed="rId2"/>
+          <a:stretch>
+            <a:fillRect/>
+          </a:stretch>
+        </p:blipFill>
+        <p:spPr>
+          <a:xfrm>
+            <a:off x="7320455" y="3598132"/>
+            <a:ext cx="4072760" cy="3210800"/>
+          </a:xfrm>
+          <a:prstGeom prst="rect">
+            <a:avLst/>
+          </a:prstGeom>
+        </p:spPr>
+      </p:pic>
+      <p:pic>
+        <p:nvPicPr>
+          <p:cNvPr id="6" name="Image 5" descr="Une image contenant texte, capture d’écran, diagramme, Police&#10;&#10;Le contenu généré par l’IA peut être incorrect.">
+            <a:extLst>
+              <a:ext uri="{FF2B5EF4-FFF2-40B4-BE49-F238E27FC236}">
+                <a16:creationId xmlns:a16="http://schemas.microsoft.com/office/drawing/2014/main" id="{B12E0153-BFCE-8561-DC8A-4BD560C16A55}"/>
+              </a:ext>
+            </a:extLst>
+          </p:cNvPr>
+          <p:cNvPicPr>
+            <a:picLocks noChangeAspect="1"/>
+          </p:cNvPicPr>
+          <p:nvPr/>
+        </p:nvPicPr>
+        <p:blipFill>
+          <a:blip r:embed="rId3"/>
+          <a:stretch>
+            <a:fillRect/>
+          </a:stretch>
+        </p:blipFill>
+        <p:spPr>
+          <a:xfrm>
+            <a:off x="4140877" y="470998"/>
+            <a:ext cx="5163743" cy="3127134"/>
+          </a:xfrm>
+          <a:prstGeom prst="rect">
+            <a:avLst/>
+          </a:prstGeom>
+        </p:spPr>
+      </p:pic>
+      <p:sp>
+        <p:nvSpPr>
+          <p:cNvPr id="2" name="Rectangle 1">
+            <a:extLst>
+              <a:ext uri="{FF2B5EF4-FFF2-40B4-BE49-F238E27FC236}">
+                <a16:creationId xmlns:a16="http://schemas.microsoft.com/office/drawing/2014/main" id="{CB5F32FA-A1D3-4793-146A-F36170201CF6}"/>
+              </a:ext>
+            </a:extLst>
+          </p:cNvPr>
+          <p:cNvSpPr/>
+          <p:nvPr/>
+        </p:nvSpPr>
+        <p:spPr>
+          <a:xfrm>
+            <a:off x="0" y="0"/>
+            <a:ext cx="1707931" cy="6858000"/>
+          </a:xfrm>
+          <a:prstGeom prst="rect">
+            <a:avLst/>
+          </a:prstGeom>
+          <a:solidFill>
+            <a:srgbClr val="F3D6DF"/>
+          </a:solidFill>
+        </p:spPr>
+        <p:style>
+          <a:lnRef idx="2">
+            <a:schemeClr val="accent1">
+              <a:shade val="15000"/>
+            </a:schemeClr>
+          </a:lnRef>
+          <a:fillRef idx="1">
+            <a:schemeClr val="accent1"/>
+          </a:fillRef>
+          <a:effectRef idx="0">
+            <a:schemeClr val="accent1"/>
+          </a:effectRef>
+          <a:fontRef idx="minor">
+            <a:schemeClr val="lt1"/>
+          </a:fontRef>
+        </p:style>
+        <p:txBody>
+          <a:bodyPr rtlCol="0" anchor="ctr"/>
+          <a:lstStyle/>
+          <a:p>
+            <a:pPr algn="ctr"/>
+            <a:endParaRPr lang="fr-FR"/>
+          </a:p>
+        </p:txBody>
+      </p:sp>
+      <p:sp>
+        <p:nvSpPr>
+          <p:cNvPr id="3" name="Espace réservé du numéro de diapositive 2">
+            <a:extLst>
+              <a:ext uri="{FF2B5EF4-FFF2-40B4-BE49-F238E27FC236}">
+                <a16:creationId xmlns:a16="http://schemas.microsoft.com/office/drawing/2014/main" id="{DF30E595-8E9B-0A18-B441-86C9E9C96834}"/>
+              </a:ext>
+            </a:extLst>
+          </p:cNvPr>
+          <p:cNvSpPr>
+            <a:spLocks noGrp="1"/>
+          </p:cNvSpPr>
+          <p:nvPr>
+            <p:ph type="sldNum" sz="quarter" idx="12"/>
+          </p:nvPr>
+        </p:nvSpPr>
+        <p:spPr/>
+        <p:txBody>
+          <a:bodyPr/>
+          <a:lstStyle/>
+          <a:p>
+            <a:fld id="{86FD7C0E-B5E2-46F8-8369-32F2BC9FE565}" type="slidenum">
+              <a:rPr lang="fr-FR" smtClean="0"/>
+              <a:t>9</a:t>
+            </a:fld>
+            <a:endParaRPr lang="fr-FR"/>
+          </a:p>
+        </p:txBody>
+      </p:sp>
+      <p:sp>
+        <p:nvSpPr>
+          <p:cNvPr id="4" name="ZoneTexte 3">
+            <a:extLst>
+              <a:ext uri="{FF2B5EF4-FFF2-40B4-BE49-F238E27FC236}">
+                <a16:creationId xmlns:a16="http://schemas.microsoft.com/office/drawing/2014/main" id="{C294248F-52C3-715F-7FFE-D7B5F4C2C048}"/>
               </a:ext>
             </a:extLst>
           </p:cNvPr>
@@ -7583,8 +6332,8 @@
         </p:nvSpPr>
         <p:spPr>
           <a:xfrm>
-            <a:off x="301752" y="1975281"/>
-            <a:ext cx="2483511" cy="3539430"/>
+            <a:off x="1783080" y="0"/>
+            <a:ext cx="10140696" cy="646331"/>
           </a:xfrm>
           <a:prstGeom prst="rect">
             <a:avLst/>
@@ -7598,44 +6347,49 @@
           <a:lstStyle/>
           <a:p>
             <a:r>
-              <a:rPr lang="fr-FR" sz="1400" dirty="0"/>
-              <a:t>Les taux de matchs sont relativement semblables d'un objectif à l'autre, seul l'objectif "autre" conduit à un taux en dessous de 15%</a:t>
-            </a:r>
-          </a:p>
-          <a:p>
-            <a:br>
-              <a:rPr lang="fr-FR" sz="1400" dirty="0"/>
-            </a:br>
-            <a:endParaRPr lang="fr-FR" sz="1400" dirty="0"/>
-          </a:p>
-          <a:p>
-            <a:r>
-              <a:rPr lang="fr-FR" sz="1400" b="1" dirty="0"/>
-              <a:t>→ À retenir</a:t>
-            </a:r>
-            <a:endParaRPr lang="fr-FR" sz="1400" dirty="0"/>
-          </a:p>
-          <a:p>
-            <a:br>
-              <a:rPr lang="fr-FR" sz="1400" dirty="0"/>
-            </a:br>
-            <a:endParaRPr lang="fr-FR" sz="1400" dirty="0"/>
-          </a:p>
-          <a:p>
-            <a:r>
-              <a:rPr lang="fr-FR" sz="1400" dirty="0"/>
-              <a:t>L'objectif avec lequel les participants assistent à un speed dating n'a pas d'impact significatif sur le fait d'obtenir un match ou non</a:t>
-            </a:r>
-          </a:p>
-          <a:p>
-            <a:endParaRPr lang="fr-FR" sz="1400" dirty="0"/>
-          </a:p>
-        </p:txBody>
-      </p:sp>
+              <a:rPr lang="fr-FR" b="1" dirty="0"/>
+              <a:t>Du match au rendez-vous : analyse des conversions</a:t>
+            </a:r>
+          </a:p>
+          <a:p>
+            <a:endParaRPr lang="fr-FR" dirty="0"/>
+          </a:p>
+        </p:txBody>
+      </p:sp>
+      <p:pic>
+        <p:nvPicPr>
+          <p:cNvPr id="13" name="Image 12" descr="Une image contenant texte, capture d’écran, diagramme, cercle&#10;&#10;Le contenu généré par l’IA peut être incorrect.">
+            <a:extLst>
+              <a:ext uri="{FF2B5EF4-FFF2-40B4-BE49-F238E27FC236}">
+                <a16:creationId xmlns:a16="http://schemas.microsoft.com/office/drawing/2014/main" id="{6CA9983F-BD7B-F473-F3B9-3AB21AD4C75C}"/>
+              </a:ext>
+            </a:extLst>
+          </p:cNvPr>
+          <p:cNvPicPr>
+            <a:picLocks noChangeAspect="1"/>
+          </p:cNvPicPr>
+          <p:nvPr/>
+        </p:nvPicPr>
+        <p:blipFill>
+          <a:blip r:embed="rId4"/>
+          <a:stretch>
+            <a:fillRect/>
+          </a:stretch>
+        </p:blipFill>
+        <p:spPr>
+          <a:xfrm>
+            <a:off x="1889608" y="3603448"/>
+            <a:ext cx="4502538" cy="3044573"/>
+          </a:xfrm>
+          <a:prstGeom prst="rect">
+            <a:avLst/>
+          </a:prstGeom>
+        </p:spPr>
+      </p:pic>
     </p:spTree>
     <p:extLst>
       <p:ext uri="{BB962C8B-B14F-4D97-AF65-F5344CB8AC3E}">
-        <p14:creationId xmlns:p14="http://schemas.microsoft.com/office/powerpoint/2010/main" val="314124001"/>
+        <p14:creationId xmlns:p14="http://schemas.microsoft.com/office/powerpoint/2010/main" val="802247348"/>
       </p:ext>
     </p:extLst>
   </p:cSld>
